--- a/content/blog/c++/img/algorithm 이미지.pptx
+++ b/content/blog/c++/img/algorithm 이미지.pptx
@@ -7,6 +7,7 @@
   <p:sldIdLst>
     <p:sldId id="256" r:id="rId2"/>
     <p:sldId id="258" r:id="rId3"/>
+    <p:sldId id="259" r:id="rId4"/>
   </p:sldIdLst>
   <p:sldSz cx="9144000" cy="6858000" type="screen4x3"/>
   <p:notesSz cx="6858000" cy="9144000"/>
@@ -25695,6 +25696,4928 @@
 </p:sld>
 </file>
 
+<file path=ppt/slides/slide3.xml><?xml version="1.0" encoding="utf-8"?>
+<p:sld xmlns:a="http://schemas.openxmlformats.org/drawingml/2006/main" xmlns:r="http://schemas.openxmlformats.org/officeDocument/2006/relationships" xmlns:p="http://schemas.openxmlformats.org/presentationml/2006/main">
+  <p:cSld>
+    <p:spTree>
+      <p:nvGrpSpPr>
+        <p:cNvPr id="1" name=""/>
+        <p:cNvGrpSpPr/>
+        <p:nvPr/>
+      </p:nvGrpSpPr>
+      <p:grpSpPr>
+        <a:xfrm>
+          <a:off x="0" y="0"/>
+          <a:ext cx="0" cy="0"/>
+          <a:chOff x="0" y="0"/>
+          <a:chExt cx="0" cy="0"/>
+        </a:xfrm>
+      </p:grpSpPr>
+      <p:graphicFrame>
+        <p:nvGraphicFramePr>
+          <p:cNvPr id="4" name="표 3"/>
+          <p:cNvGraphicFramePr>
+            <a:graphicFrameLocks noGrp="1"/>
+          </p:cNvGraphicFramePr>
+          <p:nvPr>
+            <p:extLst>
+              <p:ext uri="{D42A27DB-BD31-4B8C-83A1-F6EECF244321}">
+                <p14:modId xmlns:p14="http://schemas.microsoft.com/office/powerpoint/2010/main" val="3346574768"/>
+              </p:ext>
+            </p:extLst>
+          </p:nvPr>
+        </p:nvGraphicFramePr>
+        <p:xfrm>
+          <a:off x="467544" y="980728"/>
+          <a:ext cx="4824536" cy="2438400"/>
+        </p:xfrm>
+        <a:graphic>
+          <a:graphicData uri="http://schemas.openxmlformats.org/drawingml/2006/table">
+            <a:tbl>
+              <a:tblPr firstRow="1" bandRow="1">
+                <a:tableStyleId>{5C22544A-7EE6-4342-B048-85BDC9FD1C3A}</a:tableStyleId>
+              </a:tblPr>
+              <a:tblGrid>
+                <a:gridCol w="452622"/>
+                <a:gridCol w="452622"/>
+                <a:gridCol w="452622"/>
+                <a:gridCol w="452622"/>
+                <a:gridCol w="452622"/>
+                <a:gridCol w="452622"/>
+                <a:gridCol w="2108804"/>
+              </a:tblGrid>
+              <a:tr h="126086">
+                <a:tc>
+                  <a:txBody>
+                    <a:bodyPr/>
+                    <a:lstStyle/>
+                    <a:p>
+                      <a:pPr latinLnBrk="1"/>
+                      <a:r>
+                        <a:rPr lang="en-US" altLang="ko-KR" sz="1000" b="1" dirty="0" smtClean="0">
+                          <a:solidFill>
+                            <a:schemeClr val="tx1"/>
+                          </a:solidFill>
+                          <a:latin typeface="+mn-ea"/>
+                          <a:ea typeface="+mn-ea"/>
+                        </a:rPr>
+                        <a:t>p2</a:t>
+                      </a:r>
+                      <a:endParaRPr lang="ko-KR" altLang="en-US" sz="1000" b="1" dirty="0">
+                        <a:solidFill>
+                          <a:schemeClr val="tx1"/>
+                        </a:solidFill>
+                        <a:latin typeface="+mn-ea"/>
+                        <a:ea typeface="+mn-ea"/>
+                      </a:endParaRPr>
+                    </a:p>
+                  </a:txBody>
+                  <a:tcPr>
+                    <a:lnL w="12700" cap="flat" cmpd="sng" algn="ctr">
+                      <a:solidFill>
+                        <a:schemeClr val="tx1"/>
+                      </a:solidFill>
+                      <a:prstDash val="solid"/>
+                      <a:round/>
+                      <a:headEnd type="none" w="med" len="med"/>
+                      <a:tailEnd type="none" w="med" len="med"/>
+                    </a:lnL>
+                    <a:lnR w="12700" cap="flat" cmpd="sng" algn="ctr">
+                      <a:solidFill>
+                        <a:schemeClr val="tx1"/>
+                      </a:solidFill>
+                      <a:prstDash val="solid"/>
+                      <a:round/>
+                      <a:headEnd type="none" w="med" len="med"/>
+                      <a:tailEnd type="none" w="med" len="med"/>
+                    </a:lnR>
+                    <a:lnT w="12700" cap="flat" cmpd="sng" algn="ctr">
+                      <a:solidFill>
+                        <a:schemeClr val="tx1"/>
+                      </a:solidFill>
+                      <a:prstDash val="solid"/>
+                      <a:round/>
+                      <a:headEnd type="none" w="med" len="med"/>
+                      <a:tailEnd type="none" w="med" len="med"/>
+                    </a:lnT>
+                    <a:lnB w="12700" cap="flat" cmpd="sng" algn="ctr">
+                      <a:solidFill>
+                        <a:schemeClr val="tx1"/>
+                      </a:solidFill>
+                      <a:prstDash val="solid"/>
+                      <a:round/>
+                      <a:headEnd type="none" w="med" len="med"/>
+                      <a:tailEnd type="none" w="med" len="med"/>
+                    </a:lnB>
+                    <a:solidFill>
+                      <a:schemeClr val="accent1">
+                        <a:lumMod val="20000"/>
+                        <a:lumOff val="80000"/>
+                      </a:schemeClr>
+                    </a:solidFill>
+                  </a:tcPr>
+                </a:tc>
+                <a:tc>
+                  <a:txBody>
+                    <a:bodyPr/>
+                    <a:lstStyle/>
+                    <a:p>
+                      <a:pPr latinLnBrk="1"/>
+                      <a:r>
+                        <a:rPr lang="en-US" altLang="ko-KR" sz="1000" b="1" dirty="0" smtClean="0">
+                          <a:solidFill>
+                            <a:schemeClr val="tx1"/>
+                          </a:solidFill>
+                          <a:latin typeface="+mn-ea"/>
+                          <a:ea typeface="+mn-ea"/>
+                        </a:rPr>
+                        <a:t>p3</a:t>
+                      </a:r>
+                      <a:endParaRPr lang="ko-KR" altLang="en-US" sz="1000" b="1" dirty="0">
+                        <a:solidFill>
+                          <a:schemeClr val="tx1"/>
+                        </a:solidFill>
+                        <a:latin typeface="+mn-ea"/>
+                        <a:ea typeface="+mn-ea"/>
+                      </a:endParaRPr>
+                    </a:p>
+                  </a:txBody>
+                  <a:tcPr>
+                    <a:lnL w="12700" cap="flat" cmpd="sng" algn="ctr">
+                      <a:solidFill>
+                        <a:schemeClr val="tx1"/>
+                      </a:solidFill>
+                      <a:prstDash val="solid"/>
+                      <a:round/>
+                      <a:headEnd type="none" w="med" len="med"/>
+                      <a:tailEnd type="none" w="med" len="med"/>
+                    </a:lnL>
+                    <a:lnR w="12700" cap="flat" cmpd="sng" algn="ctr">
+                      <a:solidFill>
+                        <a:schemeClr val="tx1"/>
+                      </a:solidFill>
+                      <a:prstDash val="solid"/>
+                      <a:round/>
+                      <a:headEnd type="none" w="med" len="med"/>
+                      <a:tailEnd type="none" w="med" len="med"/>
+                    </a:lnR>
+                    <a:lnT w="12700" cap="flat" cmpd="sng" algn="ctr">
+                      <a:solidFill>
+                        <a:schemeClr val="tx1"/>
+                      </a:solidFill>
+                      <a:prstDash val="solid"/>
+                      <a:round/>
+                      <a:headEnd type="none" w="med" len="med"/>
+                      <a:tailEnd type="none" w="med" len="med"/>
+                    </a:lnT>
+                    <a:lnB w="12700" cap="flat" cmpd="sng" algn="ctr">
+                      <a:solidFill>
+                        <a:schemeClr val="tx1"/>
+                      </a:solidFill>
+                      <a:prstDash val="solid"/>
+                      <a:round/>
+                      <a:headEnd type="none" w="med" len="med"/>
+                      <a:tailEnd type="none" w="med" len="med"/>
+                    </a:lnB>
+                    <a:solidFill>
+                      <a:schemeClr val="accent1">
+                        <a:lumMod val="20000"/>
+                        <a:lumOff val="80000"/>
+                      </a:schemeClr>
+                    </a:solidFill>
+                  </a:tcPr>
+                </a:tc>
+                <a:tc>
+                  <a:txBody>
+                    <a:bodyPr/>
+                    <a:lstStyle/>
+                    <a:p>
+                      <a:pPr latinLnBrk="1"/>
+                      <a:r>
+                        <a:rPr lang="en-US" altLang="ko-KR" sz="1000" b="1" dirty="0" smtClean="0">
+                          <a:solidFill>
+                            <a:schemeClr val="tx1"/>
+                          </a:solidFill>
+                          <a:latin typeface="+mn-ea"/>
+                          <a:ea typeface="+mn-ea"/>
+                        </a:rPr>
+                        <a:t>p5</a:t>
+                      </a:r>
+                      <a:endParaRPr lang="ko-KR" altLang="en-US" sz="1000" b="1" dirty="0">
+                        <a:solidFill>
+                          <a:schemeClr val="tx1"/>
+                        </a:solidFill>
+                        <a:latin typeface="+mn-ea"/>
+                        <a:ea typeface="+mn-ea"/>
+                      </a:endParaRPr>
+                    </a:p>
+                  </a:txBody>
+                  <a:tcPr>
+                    <a:lnL w="12700" cap="flat" cmpd="sng" algn="ctr">
+                      <a:solidFill>
+                        <a:schemeClr val="tx1"/>
+                      </a:solidFill>
+                      <a:prstDash val="solid"/>
+                      <a:round/>
+                      <a:headEnd type="none" w="med" len="med"/>
+                      <a:tailEnd type="none" w="med" len="med"/>
+                    </a:lnL>
+                    <a:lnR w="12700" cap="flat" cmpd="sng" algn="ctr">
+                      <a:solidFill>
+                        <a:schemeClr val="tx1"/>
+                      </a:solidFill>
+                      <a:prstDash val="solid"/>
+                      <a:round/>
+                      <a:headEnd type="none" w="med" len="med"/>
+                      <a:tailEnd type="none" w="med" len="med"/>
+                    </a:lnR>
+                    <a:lnT w="12700" cap="flat" cmpd="sng" algn="ctr">
+                      <a:solidFill>
+                        <a:schemeClr val="tx1"/>
+                      </a:solidFill>
+                      <a:prstDash val="solid"/>
+                      <a:round/>
+                      <a:headEnd type="none" w="med" len="med"/>
+                      <a:tailEnd type="none" w="med" len="med"/>
+                    </a:lnT>
+                    <a:lnB w="12700" cap="flat" cmpd="sng" algn="ctr">
+                      <a:solidFill>
+                        <a:schemeClr val="tx1"/>
+                      </a:solidFill>
+                      <a:prstDash val="solid"/>
+                      <a:round/>
+                      <a:headEnd type="none" w="med" len="med"/>
+                      <a:tailEnd type="none" w="med" len="med"/>
+                    </a:lnB>
+                    <a:solidFill>
+                      <a:schemeClr val="accent1">
+                        <a:lumMod val="20000"/>
+                        <a:lumOff val="80000"/>
+                      </a:schemeClr>
+                    </a:solidFill>
+                  </a:tcPr>
+                </a:tc>
+                <a:tc>
+                  <a:txBody>
+                    <a:bodyPr/>
+                    <a:lstStyle/>
+                    <a:p>
+                      <a:pPr latinLnBrk="1"/>
+                      <a:r>
+                        <a:rPr lang="en-US" altLang="ko-KR" sz="1000" b="1" dirty="0" smtClean="0">
+                          <a:solidFill>
+                            <a:schemeClr val="tx1"/>
+                          </a:solidFill>
+                          <a:latin typeface="+mn-ea"/>
+                          <a:ea typeface="+mn-ea"/>
+                        </a:rPr>
+                        <a:t>p2V</a:t>
+                      </a:r>
+                      <a:endParaRPr lang="ko-KR" altLang="en-US" sz="1000" b="1" dirty="0">
+                        <a:solidFill>
+                          <a:schemeClr val="tx1"/>
+                        </a:solidFill>
+                        <a:latin typeface="+mn-ea"/>
+                        <a:ea typeface="+mn-ea"/>
+                      </a:endParaRPr>
+                    </a:p>
+                  </a:txBody>
+                  <a:tcPr>
+                    <a:lnL w="12700" cap="flat" cmpd="sng" algn="ctr">
+                      <a:solidFill>
+                        <a:schemeClr val="tx1"/>
+                      </a:solidFill>
+                      <a:prstDash val="solid"/>
+                      <a:round/>
+                      <a:headEnd type="none" w="med" len="med"/>
+                      <a:tailEnd type="none" w="med" len="med"/>
+                    </a:lnL>
+                    <a:lnR w="12700" cap="flat" cmpd="sng" algn="ctr">
+                      <a:solidFill>
+                        <a:schemeClr val="tx1"/>
+                      </a:solidFill>
+                      <a:prstDash val="solid"/>
+                      <a:round/>
+                      <a:headEnd type="none" w="med" len="med"/>
+                      <a:tailEnd type="none" w="med" len="med"/>
+                    </a:lnR>
+                    <a:lnT w="12700" cap="flat" cmpd="sng" algn="ctr">
+                      <a:solidFill>
+                        <a:schemeClr val="tx1"/>
+                      </a:solidFill>
+                      <a:prstDash val="solid"/>
+                      <a:round/>
+                      <a:headEnd type="none" w="med" len="med"/>
+                      <a:tailEnd type="none" w="med" len="med"/>
+                    </a:lnT>
+                    <a:lnB w="12700" cap="flat" cmpd="sng" algn="ctr">
+                      <a:solidFill>
+                        <a:schemeClr val="tx1"/>
+                      </a:solidFill>
+                      <a:prstDash val="solid"/>
+                      <a:round/>
+                      <a:headEnd type="none" w="med" len="med"/>
+                      <a:tailEnd type="none" w="med" len="med"/>
+                    </a:lnB>
+                    <a:solidFill>
+                      <a:schemeClr val="accent1">
+                        <a:lumMod val="20000"/>
+                        <a:lumOff val="80000"/>
+                      </a:schemeClr>
+                    </a:solidFill>
+                  </a:tcPr>
+                </a:tc>
+                <a:tc>
+                  <a:txBody>
+                    <a:bodyPr/>
+                    <a:lstStyle/>
+                    <a:p>
+                      <a:pPr latinLnBrk="1"/>
+                      <a:r>
+                        <a:rPr lang="en-US" altLang="ko-KR" sz="1000" b="1" dirty="0" smtClean="0">
+                          <a:solidFill>
+                            <a:schemeClr val="tx1"/>
+                          </a:solidFill>
+                          <a:latin typeface="+mn-ea"/>
+                          <a:ea typeface="+mn-ea"/>
+                        </a:rPr>
+                        <a:t>p3V</a:t>
+                      </a:r>
+                      <a:endParaRPr lang="ko-KR" altLang="en-US" sz="1000" b="1" dirty="0">
+                        <a:solidFill>
+                          <a:schemeClr val="tx1"/>
+                        </a:solidFill>
+                        <a:latin typeface="+mn-ea"/>
+                        <a:ea typeface="+mn-ea"/>
+                      </a:endParaRPr>
+                    </a:p>
+                  </a:txBody>
+                  <a:tcPr>
+                    <a:lnL w="12700" cap="flat" cmpd="sng" algn="ctr">
+                      <a:solidFill>
+                        <a:schemeClr val="tx1"/>
+                      </a:solidFill>
+                      <a:prstDash val="solid"/>
+                      <a:round/>
+                      <a:headEnd type="none" w="med" len="med"/>
+                      <a:tailEnd type="none" w="med" len="med"/>
+                    </a:lnL>
+                    <a:lnR w="12700" cap="flat" cmpd="sng" algn="ctr">
+                      <a:solidFill>
+                        <a:schemeClr val="tx1"/>
+                      </a:solidFill>
+                      <a:prstDash val="solid"/>
+                      <a:round/>
+                      <a:headEnd type="none" w="med" len="med"/>
+                      <a:tailEnd type="none" w="med" len="med"/>
+                    </a:lnR>
+                    <a:lnT w="12700" cap="flat" cmpd="sng" algn="ctr">
+                      <a:solidFill>
+                        <a:schemeClr val="tx1"/>
+                      </a:solidFill>
+                      <a:prstDash val="solid"/>
+                      <a:round/>
+                      <a:headEnd type="none" w="med" len="med"/>
+                      <a:tailEnd type="none" w="med" len="med"/>
+                    </a:lnT>
+                    <a:lnB w="12700" cap="flat" cmpd="sng" algn="ctr">
+                      <a:solidFill>
+                        <a:schemeClr val="tx1"/>
+                      </a:solidFill>
+                      <a:prstDash val="solid"/>
+                      <a:round/>
+                      <a:headEnd type="none" w="med" len="med"/>
+                      <a:tailEnd type="none" w="med" len="med"/>
+                    </a:lnB>
+                    <a:solidFill>
+                      <a:schemeClr val="accent1">
+                        <a:lumMod val="20000"/>
+                        <a:lumOff val="80000"/>
+                      </a:schemeClr>
+                    </a:solidFill>
+                  </a:tcPr>
+                </a:tc>
+                <a:tc>
+                  <a:txBody>
+                    <a:bodyPr/>
+                    <a:lstStyle/>
+                    <a:p>
+                      <a:pPr latinLnBrk="1"/>
+                      <a:r>
+                        <a:rPr lang="en-US" altLang="ko-KR" sz="1000" b="1" dirty="0" smtClean="0">
+                          <a:solidFill>
+                            <a:schemeClr val="tx1"/>
+                          </a:solidFill>
+                          <a:latin typeface="+mn-ea"/>
+                          <a:ea typeface="+mn-ea"/>
+                        </a:rPr>
+                        <a:t>p5V</a:t>
+                      </a:r>
+                      <a:endParaRPr lang="ko-KR" altLang="en-US" sz="1000" b="1" dirty="0">
+                        <a:solidFill>
+                          <a:schemeClr val="tx1"/>
+                        </a:solidFill>
+                        <a:latin typeface="+mn-ea"/>
+                        <a:ea typeface="+mn-ea"/>
+                      </a:endParaRPr>
+                    </a:p>
+                  </a:txBody>
+                  <a:tcPr>
+                    <a:lnL w="12700" cap="flat" cmpd="sng" algn="ctr">
+                      <a:solidFill>
+                        <a:schemeClr val="tx1"/>
+                      </a:solidFill>
+                      <a:prstDash val="solid"/>
+                      <a:round/>
+                      <a:headEnd type="none" w="med" len="med"/>
+                      <a:tailEnd type="none" w="med" len="med"/>
+                    </a:lnL>
+                    <a:lnR w="12700" cap="flat" cmpd="sng" algn="ctr">
+                      <a:solidFill>
+                        <a:schemeClr val="tx1"/>
+                      </a:solidFill>
+                      <a:prstDash val="solid"/>
+                      <a:round/>
+                      <a:headEnd type="none" w="med" len="med"/>
+                      <a:tailEnd type="none" w="med" len="med"/>
+                    </a:lnR>
+                    <a:lnT w="12700" cap="flat" cmpd="sng" algn="ctr">
+                      <a:solidFill>
+                        <a:schemeClr val="tx1"/>
+                      </a:solidFill>
+                      <a:prstDash val="solid"/>
+                      <a:round/>
+                      <a:headEnd type="none" w="med" len="med"/>
+                      <a:tailEnd type="none" w="med" len="med"/>
+                    </a:lnT>
+                    <a:lnB w="12700" cap="flat" cmpd="sng" algn="ctr">
+                      <a:solidFill>
+                        <a:schemeClr val="tx1"/>
+                      </a:solidFill>
+                      <a:prstDash val="solid"/>
+                      <a:round/>
+                      <a:headEnd type="none" w="med" len="med"/>
+                      <a:tailEnd type="none" w="med" len="med"/>
+                    </a:lnB>
+                    <a:solidFill>
+                      <a:schemeClr val="accent1">
+                        <a:lumMod val="20000"/>
+                        <a:lumOff val="80000"/>
+                      </a:schemeClr>
+                    </a:solidFill>
+                  </a:tcPr>
+                </a:tc>
+                <a:tc>
+                  <a:txBody>
+                    <a:bodyPr/>
+                    <a:lstStyle/>
+                    <a:p>
+                      <a:pPr latinLnBrk="1"/>
+                      <a:r>
+                        <a:rPr lang="en-US" altLang="ko-KR" sz="1000" b="1" dirty="0" err="1" smtClean="0">
+                          <a:solidFill>
+                            <a:schemeClr val="tx1"/>
+                          </a:solidFill>
+                          <a:latin typeface="+mn-ea"/>
+                          <a:ea typeface="+mn-ea"/>
+                        </a:rPr>
+                        <a:t>vec</a:t>
+                      </a:r>
+                      <a:endParaRPr lang="ko-KR" altLang="en-US" sz="1000" b="1" dirty="0">
+                        <a:solidFill>
+                          <a:schemeClr val="tx1"/>
+                        </a:solidFill>
+                        <a:latin typeface="+mn-ea"/>
+                        <a:ea typeface="+mn-ea"/>
+                      </a:endParaRPr>
+                    </a:p>
+                  </a:txBody>
+                  <a:tcPr>
+                    <a:lnL w="12700" cap="flat" cmpd="sng" algn="ctr">
+                      <a:solidFill>
+                        <a:schemeClr val="tx1"/>
+                      </a:solidFill>
+                      <a:prstDash val="solid"/>
+                      <a:round/>
+                      <a:headEnd type="none" w="med" len="med"/>
+                      <a:tailEnd type="none" w="med" len="med"/>
+                    </a:lnL>
+                    <a:lnR w="12700" cap="flat" cmpd="sng" algn="ctr">
+                      <a:solidFill>
+                        <a:schemeClr val="tx1"/>
+                      </a:solidFill>
+                      <a:prstDash val="solid"/>
+                      <a:round/>
+                      <a:headEnd type="none" w="med" len="med"/>
+                      <a:tailEnd type="none" w="med" len="med"/>
+                    </a:lnR>
+                    <a:lnT w="12700" cap="flat" cmpd="sng" algn="ctr">
+                      <a:solidFill>
+                        <a:schemeClr val="tx1"/>
+                      </a:solidFill>
+                      <a:prstDash val="solid"/>
+                      <a:round/>
+                      <a:headEnd type="none" w="med" len="med"/>
+                      <a:tailEnd type="none" w="med" len="med"/>
+                    </a:lnT>
+                    <a:lnB w="12700" cap="flat" cmpd="sng" algn="ctr">
+                      <a:solidFill>
+                        <a:schemeClr val="tx1"/>
+                      </a:solidFill>
+                      <a:prstDash val="solid"/>
+                      <a:round/>
+                      <a:headEnd type="none" w="med" len="med"/>
+                      <a:tailEnd type="none" w="med" len="med"/>
+                    </a:lnB>
+                    <a:solidFill>
+                      <a:schemeClr val="accent1">
+                        <a:lumMod val="20000"/>
+                        <a:lumOff val="80000"/>
+                      </a:schemeClr>
+                    </a:solidFill>
+                  </a:tcPr>
+                </a:tc>
+              </a:tr>
+              <a:tr h="225545">
+                <a:tc>
+                  <a:txBody>
+                    <a:bodyPr/>
+                    <a:lstStyle/>
+                    <a:p>
+                      <a:pPr latinLnBrk="1"/>
+                      <a:r>
+                        <a:rPr lang="en-US" altLang="ko-KR" sz="1000" b="1" dirty="0" smtClean="0">
+                          <a:solidFill>
+                            <a:schemeClr val="tx1"/>
+                          </a:solidFill>
+                          <a:latin typeface="+mn-ea"/>
+                          <a:ea typeface="+mn-ea"/>
+                        </a:rPr>
+                        <a:t>0</a:t>
+                      </a:r>
+                      <a:endParaRPr lang="ko-KR" altLang="en-US" sz="1000" b="1" dirty="0">
+                        <a:solidFill>
+                          <a:schemeClr val="tx1"/>
+                        </a:solidFill>
+                        <a:latin typeface="+mn-ea"/>
+                        <a:ea typeface="+mn-ea"/>
+                      </a:endParaRPr>
+                    </a:p>
+                  </a:txBody>
+                  <a:tcPr>
+                    <a:lnL w="12700" cap="flat" cmpd="sng" algn="ctr">
+                      <a:solidFill>
+                        <a:schemeClr val="tx1"/>
+                      </a:solidFill>
+                      <a:prstDash val="solid"/>
+                      <a:round/>
+                      <a:headEnd type="none" w="med" len="med"/>
+                      <a:tailEnd type="none" w="med" len="med"/>
+                    </a:lnL>
+                    <a:lnR w="12700" cap="flat" cmpd="sng" algn="ctr">
+                      <a:solidFill>
+                        <a:schemeClr val="tx1"/>
+                      </a:solidFill>
+                      <a:prstDash val="solid"/>
+                      <a:round/>
+                      <a:headEnd type="none" w="med" len="med"/>
+                      <a:tailEnd type="none" w="med" len="med"/>
+                    </a:lnR>
+                    <a:lnT w="12700" cap="flat" cmpd="sng" algn="ctr">
+                      <a:solidFill>
+                        <a:schemeClr val="tx1"/>
+                      </a:solidFill>
+                      <a:prstDash val="solid"/>
+                      <a:round/>
+                      <a:headEnd type="none" w="med" len="med"/>
+                      <a:tailEnd type="none" w="med" len="med"/>
+                    </a:lnT>
+                    <a:lnB w="12700" cap="flat" cmpd="sng" algn="ctr">
+                      <a:solidFill>
+                        <a:schemeClr val="tx1"/>
+                      </a:solidFill>
+                      <a:prstDash val="solid"/>
+                      <a:round/>
+                      <a:headEnd type="none" w="med" len="med"/>
+                      <a:tailEnd type="none" w="med" len="med"/>
+                    </a:lnB>
+                    <a:noFill/>
+                  </a:tcPr>
+                </a:tc>
+                <a:tc>
+                  <a:txBody>
+                    <a:bodyPr/>
+                    <a:lstStyle/>
+                    <a:p>
+                      <a:pPr latinLnBrk="1"/>
+                      <a:r>
+                        <a:rPr lang="en-US" altLang="ko-KR" sz="1000" b="1" dirty="0" smtClean="0">
+                          <a:solidFill>
+                            <a:schemeClr val="tx1"/>
+                          </a:solidFill>
+                          <a:latin typeface="+mn-ea"/>
+                          <a:ea typeface="+mn-ea"/>
+                        </a:rPr>
+                        <a:t>0</a:t>
+                      </a:r>
+                      <a:endParaRPr lang="ko-KR" altLang="en-US" sz="1000" b="1" dirty="0">
+                        <a:solidFill>
+                          <a:schemeClr val="tx1"/>
+                        </a:solidFill>
+                        <a:latin typeface="+mn-ea"/>
+                        <a:ea typeface="+mn-ea"/>
+                      </a:endParaRPr>
+                    </a:p>
+                  </a:txBody>
+                  <a:tcPr>
+                    <a:lnL w="12700" cap="flat" cmpd="sng" algn="ctr">
+                      <a:solidFill>
+                        <a:schemeClr val="tx1"/>
+                      </a:solidFill>
+                      <a:prstDash val="solid"/>
+                      <a:round/>
+                      <a:headEnd type="none" w="med" len="med"/>
+                      <a:tailEnd type="none" w="med" len="med"/>
+                    </a:lnL>
+                    <a:lnR w="12700" cap="flat" cmpd="sng" algn="ctr">
+                      <a:solidFill>
+                        <a:schemeClr val="tx1"/>
+                      </a:solidFill>
+                      <a:prstDash val="solid"/>
+                      <a:round/>
+                      <a:headEnd type="none" w="med" len="med"/>
+                      <a:tailEnd type="none" w="med" len="med"/>
+                    </a:lnR>
+                    <a:lnT w="12700" cap="flat" cmpd="sng" algn="ctr">
+                      <a:solidFill>
+                        <a:schemeClr val="tx1"/>
+                      </a:solidFill>
+                      <a:prstDash val="solid"/>
+                      <a:round/>
+                      <a:headEnd type="none" w="med" len="med"/>
+                      <a:tailEnd type="none" w="med" len="med"/>
+                    </a:lnT>
+                    <a:lnB w="12700" cap="flat" cmpd="sng" algn="ctr">
+                      <a:solidFill>
+                        <a:schemeClr val="tx1"/>
+                      </a:solidFill>
+                      <a:prstDash val="solid"/>
+                      <a:round/>
+                      <a:headEnd type="none" w="med" len="med"/>
+                      <a:tailEnd type="none" w="med" len="med"/>
+                    </a:lnB>
+                    <a:noFill/>
+                  </a:tcPr>
+                </a:tc>
+                <a:tc>
+                  <a:txBody>
+                    <a:bodyPr/>
+                    <a:lstStyle/>
+                    <a:p>
+                      <a:pPr latinLnBrk="1"/>
+                      <a:r>
+                        <a:rPr lang="en-US" altLang="ko-KR" sz="1000" b="1" dirty="0" smtClean="0">
+                          <a:solidFill>
+                            <a:schemeClr val="tx1"/>
+                          </a:solidFill>
+                          <a:latin typeface="+mn-ea"/>
+                          <a:ea typeface="+mn-ea"/>
+                        </a:rPr>
+                        <a:t>0</a:t>
+                      </a:r>
+                      <a:endParaRPr lang="ko-KR" altLang="en-US" sz="1000" b="1" dirty="0">
+                        <a:solidFill>
+                          <a:schemeClr val="tx1"/>
+                        </a:solidFill>
+                        <a:latin typeface="+mn-ea"/>
+                        <a:ea typeface="+mn-ea"/>
+                      </a:endParaRPr>
+                    </a:p>
+                  </a:txBody>
+                  <a:tcPr>
+                    <a:lnL w="12700" cap="flat" cmpd="sng" algn="ctr">
+                      <a:solidFill>
+                        <a:schemeClr val="tx1"/>
+                      </a:solidFill>
+                      <a:prstDash val="solid"/>
+                      <a:round/>
+                      <a:headEnd type="none" w="med" len="med"/>
+                      <a:tailEnd type="none" w="med" len="med"/>
+                    </a:lnL>
+                    <a:lnR w="12700" cap="flat" cmpd="sng" algn="ctr">
+                      <a:solidFill>
+                        <a:schemeClr val="tx1"/>
+                      </a:solidFill>
+                      <a:prstDash val="solid"/>
+                      <a:round/>
+                      <a:headEnd type="none" w="med" len="med"/>
+                      <a:tailEnd type="none" w="med" len="med"/>
+                    </a:lnR>
+                    <a:lnT w="12700" cap="flat" cmpd="sng" algn="ctr">
+                      <a:solidFill>
+                        <a:schemeClr val="tx1"/>
+                      </a:solidFill>
+                      <a:prstDash val="solid"/>
+                      <a:round/>
+                      <a:headEnd type="none" w="med" len="med"/>
+                      <a:tailEnd type="none" w="med" len="med"/>
+                    </a:lnT>
+                    <a:lnB w="12700" cap="flat" cmpd="sng" algn="ctr">
+                      <a:solidFill>
+                        <a:schemeClr val="tx1"/>
+                      </a:solidFill>
+                      <a:prstDash val="solid"/>
+                      <a:round/>
+                      <a:headEnd type="none" w="med" len="med"/>
+                      <a:tailEnd type="none" w="med" len="med"/>
+                    </a:lnB>
+                    <a:noFill/>
+                  </a:tcPr>
+                </a:tc>
+                <a:tc>
+                  <a:txBody>
+                    <a:bodyPr/>
+                    <a:lstStyle/>
+                    <a:p>
+                      <a:pPr latinLnBrk="1"/>
+                      <a:r>
+                        <a:rPr lang="en-US" altLang="ko-KR" sz="1000" b="1" dirty="0" smtClean="0">
+                          <a:solidFill>
+                            <a:srgbClr val="FF0000"/>
+                          </a:solidFill>
+                          <a:latin typeface="+mn-ea"/>
+                          <a:ea typeface="+mn-ea"/>
+                        </a:rPr>
+                        <a:t>2</a:t>
+                      </a:r>
+                      <a:endParaRPr lang="ko-KR" altLang="en-US" sz="1000" b="1" dirty="0">
+                        <a:solidFill>
+                          <a:srgbClr val="FF0000"/>
+                        </a:solidFill>
+                        <a:latin typeface="+mn-ea"/>
+                        <a:ea typeface="+mn-ea"/>
+                      </a:endParaRPr>
+                    </a:p>
+                  </a:txBody>
+                  <a:tcPr>
+                    <a:lnL w="12700" cap="flat" cmpd="sng" algn="ctr">
+                      <a:solidFill>
+                        <a:schemeClr val="tx1"/>
+                      </a:solidFill>
+                      <a:prstDash val="solid"/>
+                      <a:round/>
+                      <a:headEnd type="none" w="med" len="med"/>
+                      <a:tailEnd type="none" w="med" len="med"/>
+                    </a:lnL>
+                    <a:lnR w="12700" cap="flat" cmpd="sng" algn="ctr">
+                      <a:solidFill>
+                        <a:schemeClr val="tx1"/>
+                      </a:solidFill>
+                      <a:prstDash val="solid"/>
+                      <a:round/>
+                      <a:headEnd type="none" w="med" len="med"/>
+                      <a:tailEnd type="none" w="med" len="med"/>
+                    </a:lnR>
+                    <a:lnT w="12700" cap="flat" cmpd="sng" algn="ctr">
+                      <a:solidFill>
+                        <a:schemeClr val="tx1"/>
+                      </a:solidFill>
+                      <a:prstDash val="solid"/>
+                      <a:round/>
+                      <a:headEnd type="none" w="med" len="med"/>
+                      <a:tailEnd type="none" w="med" len="med"/>
+                    </a:lnT>
+                    <a:lnB w="12700" cap="flat" cmpd="sng" algn="ctr">
+                      <a:solidFill>
+                        <a:schemeClr val="tx1"/>
+                      </a:solidFill>
+                      <a:prstDash val="solid"/>
+                      <a:round/>
+                      <a:headEnd type="none" w="med" len="med"/>
+                      <a:tailEnd type="none" w="med" len="med"/>
+                    </a:lnB>
+                    <a:noFill/>
+                  </a:tcPr>
+                </a:tc>
+                <a:tc>
+                  <a:txBody>
+                    <a:bodyPr/>
+                    <a:lstStyle/>
+                    <a:p>
+                      <a:pPr latinLnBrk="1"/>
+                      <a:r>
+                        <a:rPr lang="en-US" altLang="ko-KR" sz="1000" b="1" dirty="0" smtClean="0">
+                          <a:solidFill>
+                            <a:schemeClr val="tx1"/>
+                          </a:solidFill>
+                          <a:latin typeface="+mn-ea"/>
+                          <a:ea typeface="+mn-ea"/>
+                        </a:rPr>
+                        <a:t>3</a:t>
+                      </a:r>
+                      <a:endParaRPr lang="ko-KR" altLang="en-US" sz="1000" b="1" dirty="0">
+                        <a:solidFill>
+                          <a:schemeClr val="tx1"/>
+                        </a:solidFill>
+                        <a:latin typeface="+mn-ea"/>
+                        <a:ea typeface="+mn-ea"/>
+                      </a:endParaRPr>
+                    </a:p>
+                  </a:txBody>
+                  <a:tcPr>
+                    <a:lnL w="12700" cap="flat" cmpd="sng" algn="ctr">
+                      <a:solidFill>
+                        <a:schemeClr val="tx1"/>
+                      </a:solidFill>
+                      <a:prstDash val="solid"/>
+                      <a:round/>
+                      <a:headEnd type="none" w="med" len="med"/>
+                      <a:tailEnd type="none" w="med" len="med"/>
+                    </a:lnL>
+                    <a:lnR w="12700" cap="flat" cmpd="sng" algn="ctr">
+                      <a:solidFill>
+                        <a:schemeClr val="tx1"/>
+                      </a:solidFill>
+                      <a:prstDash val="solid"/>
+                      <a:round/>
+                      <a:headEnd type="none" w="med" len="med"/>
+                      <a:tailEnd type="none" w="med" len="med"/>
+                    </a:lnR>
+                    <a:lnT w="12700" cap="flat" cmpd="sng" algn="ctr">
+                      <a:solidFill>
+                        <a:schemeClr val="tx1"/>
+                      </a:solidFill>
+                      <a:prstDash val="solid"/>
+                      <a:round/>
+                      <a:headEnd type="none" w="med" len="med"/>
+                      <a:tailEnd type="none" w="med" len="med"/>
+                    </a:lnT>
+                    <a:lnB w="12700" cap="flat" cmpd="sng" algn="ctr">
+                      <a:solidFill>
+                        <a:schemeClr val="tx1"/>
+                      </a:solidFill>
+                      <a:prstDash val="solid"/>
+                      <a:round/>
+                      <a:headEnd type="none" w="med" len="med"/>
+                      <a:tailEnd type="none" w="med" len="med"/>
+                    </a:lnB>
+                    <a:noFill/>
+                  </a:tcPr>
+                </a:tc>
+                <a:tc>
+                  <a:txBody>
+                    <a:bodyPr/>
+                    <a:lstStyle/>
+                    <a:p>
+                      <a:pPr latinLnBrk="1"/>
+                      <a:r>
+                        <a:rPr lang="en-US" altLang="ko-KR" sz="1000" b="1" dirty="0" smtClean="0">
+                          <a:solidFill>
+                            <a:schemeClr val="tx1"/>
+                          </a:solidFill>
+                          <a:latin typeface="+mn-ea"/>
+                          <a:ea typeface="+mn-ea"/>
+                        </a:rPr>
+                        <a:t>5</a:t>
+                      </a:r>
+                      <a:endParaRPr lang="ko-KR" altLang="en-US" sz="1000" b="1" dirty="0">
+                        <a:solidFill>
+                          <a:schemeClr val="tx1"/>
+                        </a:solidFill>
+                        <a:latin typeface="+mn-ea"/>
+                        <a:ea typeface="+mn-ea"/>
+                      </a:endParaRPr>
+                    </a:p>
+                  </a:txBody>
+                  <a:tcPr>
+                    <a:lnL w="12700" cap="flat" cmpd="sng" algn="ctr">
+                      <a:solidFill>
+                        <a:schemeClr val="tx1"/>
+                      </a:solidFill>
+                      <a:prstDash val="solid"/>
+                      <a:round/>
+                      <a:headEnd type="none" w="med" len="med"/>
+                      <a:tailEnd type="none" w="med" len="med"/>
+                    </a:lnL>
+                    <a:lnR w="12700" cap="flat" cmpd="sng" algn="ctr">
+                      <a:solidFill>
+                        <a:schemeClr val="tx1"/>
+                      </a:solidFill>
+                      <a:prstDash val="solid"/>
+                      <a:round/>
+                      <a:headEnd type="none" w="med" len="med"/>
+                      <a:tailEnd type="none" w="med" len="med"/>
+                    </a:lnR>
+                    <a:lnT w="12700" cap="flat" cmpd="sng" algn="ctr">
+                      <a:solidFill>
+                        <a:schemeClr val="tx1"/>
+                      </a:solidFill>
+                      <a:prstDash val="solid"/>
+                      <a:round/>
+                      <a:headEnd type="none" w="med" len="med"/>
+                      <a:tailEnd type="none" w="med" len="med"/>
+                    </a:lnT>
+                    <a:lnB w="12700" cap="flat" cmpd="sng" algn="ctr">
+                      <a:solidFill>
+                        <a:schemeClr val="tx1"/>
+                      </a:solidFill>
+                      <a:prstDash val="solid"/>
+                      <a:round/>
+                      <a:headEnd type="none" w="med" len="med"/>
+                      <a:tailEnd type="none" w="med" len="med"/>
+                    </a:lnB>
+                    <a:noFill/>
+                  </a:tcPr>
+                </a:tc>
+                <a:tc>
+                  <a:txBody>
+                    <a:bodyPr/>
+                    <a:lstStyle/>
+                    <a:p>
+                      <a:pPr latinLnBrk="1"/>
+                      <a:r>
+                        <a:rPr lang="en-US" altLang="ko-KR" sz="1000" b="1" dirty="0" smtClean="0">
+                          <a:solidFill>
+                            <a:schemeClr val="tx1"/>
+                          </a:solidFill>
+                          <a:latin typeface="+mn-ea"/>
+                          <a:ea typeface="+mn-ea"/>
+                        </a:rPr>
+                        <a:t>{1,</a:t>
+                      </a:r>
+                      <a:r>
+                        <a:rPr lang="en-US" altLang="ko-KR" sz="1000" b="1" dirty="0" smtClean="0">
+                          <a:solidFill>
+                            <a:srgbClr val="FF0000"/>
+                          </a:solidFill>
+                          <a:latin typeface="+mn-ea"/>
+                          <a:ea typeface="+mn-ea"/>
+                        </a:rPr>
+                        <a:t>2</a:t>
+                      </a:r>
+                      <a:r>
+                        <a:rPr lang="en-US" altLang="ko-KR" sz="1000" b="1" dirty="0" smtClean="0">
+                          <a:solidFill>
+                            <a:schemeClr val="tx1"/>
+                          </a:solidFill>
+                          <a:latin typeface="+mn-ea"/>
+                          <a:ea typeface="+mn-ea"/>
+                        </a:rPr>
+                        <a:t>}</a:t>
+                      </a:r>
+                      <a:endParaRPr lang="ko-KR" altLang="en-US" sz="1000" b="1" dirty="0">
+                        <a:solidFill>
+                          <a:schemeClr val="tx1"/>
+                        </a:solidFill>
+                        <a:latin typeface="+mn-ea"/>
+                        <a:ea typeface="+mn-ea"/>
+                      </a:endParaRPr>
+                    </a:p>
+                  </a:txBody>
+                  <a:tcPr>
+                    <a:lnL w="12700" cap="flat" cmpd="sng" algn="ctr">
+                      <a:solidFill>
+                        <a:schemeClr val="tx1"/>
+                      </a:solidFill>
+                      <a:prstDash val="solid"/>
+                      <a:round/>
+                      <a:headEnd type="none" w="med" len="med"/>
+                      <a:tailEnd type="none" w="med" len="med"/>
+                    </a:lnL>
+                    <a:lnR w="12700" cap="flat" cmpd="sng" algn="ctr">
+                      <a:solidFill>
+                        <a:schemeClr val="tx1"/>
+                      </a:solidFill>
+                      <a:prstDash val="solid"/>
+                      <a:round/>
+                      <a:headEnd type="none" w="med" len="med"/>
+                      <a:tailEnd type="none" w="med" len="med"/>
+                    </a:lnR>
+                    <a:lnT w="12700" cap="flat" cmpd="sng" algn="ctr">
+                      <a:solidFill>
+                        <a:schemeClr val="tx1"/>
+                      </a:solidFill>
+                      <a:prstDash val="solid"/>
+                      <a:round/>
+                      <a:headEnd type="none" w="med" len="med"/>
+                      <a:tailEnd type="none" w="med" len="med"/>
+                    </a:lnT>
+                    <a:lnB w="12700" cap="flat" cmpd="sng" algn="ctr">
+                      <a:solidFill>
+                        <a:schemeClr val="tx1"/>
+                      </a:solidFill>
+                      <a:prstDash val="solid"/>
+                      <a:round/>
+                      <a:headEnd type="none" w="med" len="med"/>
+                      <a:tailEnd type="none" w="med" len="med"/>
+                    </a:lnB>
+                    <a:noFill/>
+                  </a:tcPr>
+                </a:tc>
+              </a:tr>
+              <a:tr h="225545">
+                <a:tc>
+                  <a:txBody>
+                    <a:bodyPr/>
+                    <a:lstStyle/>
+                    <a:p>
+                      <a:pPr latinLnBrk="1"/>
+                      <a:r>
+                        <a:rPr lang="en-US" altLang="ko-KR" sz="1000" b="1" dirty="0" smtClean="0">
+                          <a:solidFill>
+                            <a:schemeClr val="tx1"/>
+                          </a:solidFill>
+                          <a:latin typeface="+mn-ea"/>
+                          <a:ea typeface="+mn-ea"/>
+                        </a:rPr>
+                        <a:t>1</a:t>
+                      </a:r>
+                      <a:endParaRPr lang="ko-KR" altLang="en-US" sz="1000" b="1" dirty="0">
+                        <a:solidFill>
+                          <a:schemeClr val="tx1"/>
+                        </a:solidFill>
+                        <a:latin typeface="+mn-ea"/>
+                        <a:ea typeface="+mn-ea"/>
+                      </a:endParaRPr>
+                    </a:p>
+                  </a:txBody>
+                  <a:tcPr>
+                    <a:lnL w="12700" cap="flat" cmpd="sng" algn="ctr">
+                      <a:solidFill>
+                        <a:schemeClr val="tx1"/>
+                      </a:solidFill>
+                      <a:prstDash val="solid"/>
+                      <a:round/>
+                      <a:headEnd type="none" w="med" len="med"/>
+                      <a:tailEnd type="none" w="med" len="med"/>
+                    </a:lnL>
+                    <a:lnR w="12700" cap="flat" cmpd="sng" algn="ctr">
+                      <a:solidFill>
+                        <a:schemeClr val="tx1"/>
+                      </a:solidFill>
+                      <a:prstDash val="solid"/>
+                      <a:round/>
+                      <a:headEnd type="none" w="med" len="med"/>
+                      <a:tailEnd type="none" w="med" len="med"/>
+                    </a:lnR>
+                    <a:lnT w="12700" cap="flat" cmpd="sng" algn="ctr">
+                      <a:solidFill>
+                        <a:schemeClr val="tx1"/>
+                      </a:solidFill>
+                      <a:prstDash val="solid"/>
+                      <a:round/>
+                      <a:headEnd type="none" w="med" len="med"/>
+                      <a:tailEnd type="none" w="med" len="med"/>
+                    </a:lnT>
+                    <a:lnB w="12700" cap="flat" cmpd="sng" algn="ctr">
+                      <a:solidFill>
+                        <a:schemeClr val="tx1"/>
+                      </a:solidFill>
+                      <a:prstDash val="solid"/>
+                      <a:round/>
+                      <a:headEnd type="none" w="med" len="med"/>
+                      <a:tailEnd type="none" w="med" len="med"/>
+                    </a:lnB>
+                    <a:noFill/>
+                  </a:tcPr>
+                </a:tc>
+                <a:tc>
+                  <a:txBody>
+                    <a:bodyPr/>
+                    <a:lstStyle/>
+                    <a:p>
+                      <a:pPr latinLnBrk="1"/>
+                      <a:r>
+                        <a:rPr lang="en-US" altLang="ko-KR" sz="1000" b="1" dirty="0" smtClean="0">
+                          <a:solidFill>
+                            <a:schemeClr val="tx1"/>
+                          </a:solidFill>
+                          <a:latin typeface="+mn-ea"/>
+                          <a:ea typeface="+mn-ea"/>
+                        </a:rPr>
+                        <a:t>0</a:t>
+                      </a:r>
+                      <a:endParaRPr lang="ko-KR" altLang="en-US" sz="1000" b="1" dirty="0">
+                        <a:solidFill>
+                          <a:schemeClr val="tx1"/>
+                        </a:solidFill>
+                        <a:latin typeface="+mn-ea"/>
+                        <a:ea typeface="+mn-ea"/>
+                      </a:endParaRPr>
+                    </a:p>
+                  </a:txBody>
+                  <a:tcPr>
+                    <a:lnL w="12700" cap="flat" cmpd="sng" algn="ctr">
+                      <a:solidFill>
+                        <a:schemeClr val="tx1"/>
+                      </a:solidFill>
+                      <a:prstDash val="solid"/>
+                      <a:round/>
+                      <a:headEnd type="none" w="med" len="med"/>
+                      <a:tailEnd type="none" w="med" len="med"/>
+                    </a:lnL>
+                    <a:lnR w="12700" cap="flat" cmpd="sng" algn="ctr">
+                      <a:solidFill>
+                        <a:schemeClr val="tx1"/>
+                      </a:solidFill>
+                      <a:prstDash val="solid"/>
+                      <a:round/>
+                      <a:headEnd type="none" w="med" len="med"/>
+                      <a:tailEnd type="none" w="med" len="med"/>
+                    </a:lnR>
+                    <a:lnT w="12700" cap="flat" cmpd="sng" algn="ctr">
+                      <a:solidFill>
+                        <a:schemeClr val="tx1"/>
+                      </a:solidFill>
+                      <a:prstDash val="solid"/>
+                      <a:round/>
+                      <a:headEnd type="none" w="med" len="med"/>
+                      <a:tailEnd type="none" w="med" len="med"/>
+                    </a:lnT>
+                    <a:lnB w="12700" cap="flat" cmpd="sng" algn="ctr">
+                      <a:solidFill>
+                        <a:schemeClr val="tx1"/>
+                      </a:solidFill>
+                      <a:prstDash val="solid"/>
+                      <a:round/>
+                      <a:headEnd type="none" w="med" len="med"/>
+                      <a:tailEnd type="none" w="med" len="med"/>
+                    </a:lnB>
+                    <a:noFill/>
+                  </a:tcPr>
+                </a:tc>
+                <a:tc>
+                  <a:txBody>
+                    <a:bodyPr/>
+                    <a:lstStyle/>
+                    <a:p>
+                      <a:pPr latinLnBrk="1"/>
+                      <a:r>
+                        <a:rPr lang="en-US" altLang="ko-KR" sz="1000" b="1" dirty="0" smtClean="0">
+                          <a:solidFill>
+                            <a:schemeClr val="tx1"/>
+                          </a:solidFill>
+                          <a:latin typeface="+mn-ea"/>
+                          <a:ea typeface="+mn-ea"/>
+                        </a:rPr>
+                        <a:t>0</a:t>
+                      </a:r>
+                      <a:endParaRPr lang="ko-KR" altLang="en-US" sz="1000" b="1" dirty="0">
+                        <a:solidFill>
+                          <a:schemeClr val="tx1"/>
+                        </a:solidFill>
+                        <a:latin typeface="+mn-ea"/>
+                        <a:ea typeface="+mn-ea"/>
+                      </a:endParaRPr>
+                    </a:p>
+                  </a:txBody>
+                  <a:tcPr>
+                    <a:lnL w="12700" cap="flat" cmpd="sng" algn="ctr">
+                      <a:solidFill>
+                        <a:schemeClr val="tx1"/>
+                      </a:solidFill>
+                      <a:prstDash val="solid"/>
+                      <a:round/>
+                      <a:headEnd type="none" w="med" len="med"/>
+                      <a:tailEnd type="none" w="med" len="med"/>
+                    </a:lnL>
+                    <a:lnR w="12700" cap="flat" cmpd="sng" algn="ctr">
+                      <a:solidFill>
+                        <a:schemeClr val="tx1"/>
+                      </a:solidFill>
+                      <a:prstDash val="solid"/>
+                      <a:round/>
+                      <a:headEnd type="none" w="med" len="med"/>
+                      <a:tailEnd type="none" w="med" len="med"/>
+                    </a:lnR>
+                    <a:lnT w="12700" cap="flat" cmpd="sng" algn="ctr">
+                      <a:solidFill>
+                        <a:schemeClr val="tx1"/>
+                      </a:solidFill>
+                      <a:prstDash val="solid"/>
+                      <a:round/>
+                      <a:headEnd type="none" w="med" len="med"/>
+                      <a:tailEnd type="none" w="med" len="med"/>
+                    </a:lnT>
+                    <a:lnB w="12700" cap="flat" cmpd="sng" algn="ctr">
+                      <a:solidFill>
+                        <a:schemeClr val="tx1"/>
+                      </a:solidFill>
+                      <a:prstDash val="solid"/>
+                      <a:round/>
+                      <a:headEnd type="none" w="med" len="med"/>
+                      <a:tailEnd type="none" w="med" len="med"/>
+                    </a:lnB>
+                    <a:noFill/>
+                  </a:tcPr>
+                </a:tc>
+                <a:tc>
+                  <a:txBody>
+                    <a:bodyPr/>
+                    <a:lstStyle/>
+                    <a:p>
+                      <a:pPr latinLnBrk="1"/>
+                      <a:r>
+                        <a:rPr lang="en-US" altLang="ko-KR" sz="1000" b="1" dirty="0" smtClean="0">
+                          <a:solidFill>
+                            <a:schemeClr val="tx1"/>
+                          </a:solidFill>
+                          <a:latin typeface="+mn-ea"/>
+                          <a:ea typeface="+mn-ea"/>
+                        </a:rPr>
+                        <a:t>4</a:t>
+                      </a:r>
+                      <a:endParaRPr lang="ko-KR" altLang="en-US" sz="1000" b="1" dirty="0">
+                        <a:solidFill>
+                          <a:schemeClr val="tx1"/>
+                        </a:solidFill>
+                        <a:latin typeface="+mn-ea"/>
+                        <a:ea typeface="+mn-ea"/>
+                      </a:endParaRPr>
+                    </a:p>
+                  </a:txBody>
+                  <a:tcPr>
+                    <a:lnL w="12700" cap="flat" cmpd="sng" algn="ctr">
+                      <a:solidFill>
+                        <a:schemeClr val="tx1"/>
+                      </a:solidFill>
+                      <a:prstDash val="solid"/>
+                      <a:round/>
+                      <a:headEnd type="none" w="med" len="med"/>
+                      <a:tailEnd type="none" w="med" len="med"/>
+                    </a:lnL>
+                    <a:lnR w="12700" cap="flat" cmpd="sng" algn="ctr">
+                      <a:solidFill>
+                        <a:schemeClr val="tx1"/>
+                      </a:solidFill>
+                      <a:prstDash val="solid"/>
+                      <a:round/>
+                      <a:headEnd type="none" w="med" len="med"/>
+                      <a:tailEnd type="none" w="med" len="med"/>
+                    </a:lnR>
+                    <a:lnT w="12700" cap="flat" cmpd="sng" algn="ctr">
+                      <a:solidFill>
+                        <a:schemeClr val="tx1"/>
+                      </a:solidFill>
+                      <a:prstDash val="solid"/>
+                      <a:round/>
+                      <a:headEnd type="none" w="med" len="med"/>
+                      <a:tailEnd type="none" w="med" len="med"/>
+                    </a:lnT>
+                    <a:lnB w="12700" cap="flat" cmpd="sng" algn="ctr">
+                      <a:solidFill>
+                        <a:schemeClr val="tx1"/>
+                      </a:solidFill>
+                      <a:prstDash val="solid"/>
+                      <a:round/>
+                      <a:headEnd type="none" w="med" len="med"/>
+                      <a:tailEnd type="none" w="med" len="med"/>
+                    </a:lnB>
+                    <a:noFill/>
+                  </a:tcPr>
+                </a:tc>
+                <a:tc>
+                  <a:txBody>
+                    <a:bodyPr/>
+                    <a:lstStyle/>
+                    <a:p>
+                      <a:pPr latinLnBrk="1"/>
+                      <a:r>
+                        <a:rPr lang="en-US" altLang="ko-KR" sz="1000" b="1" dirty="0" smtClean="0">
+                          <a:solidFill>
+                            <a:srgbClr val="FF0000"/>
+                          </a:solidFill>
+                          <a:latin typeface="+mn-ea"/>
+                          <a:ea typeface="+mn-ea"/>
+                        </a:rPr>
+                        <a:t>3</a:t>
+                      </a:r>
+                      <a:endParaRPr lang="ko-KR" altLang="en-US" sz="1000" b="1" dirty="0">
+                        <a:solidFill>
+                          <a:srgbClr val="FF0000"/>
+                        </a:solidFill>
+                        <a:latin typeface="+mn-ea"/>
+                        <a:ea typeface="+mn-ea"/>
+                      </a:endParaRPr>
+                    </a:p>
+                  </a:txBody>
+                  <a:tcPr>
+                    <a:lnL w="12700" cap="flat" cmpd="sng" algn="ctr">
+                      <a:solidFill>
+                        <a:schemeClr val="tx1"/>
+                      </a:solidFill>
+                      <a:prstDash val="solid"/>
+                      <a:round/>
+                      <a:headEnd type="none" w="med" len="med"/>
+                      <a:tailEnd type="none" w="med" len="med"/>
+                    </a:lnL>
+                    <a:lnR w="12700" cap="flat" cmpd="sng" algn="ctr">
+                      <a:solidFill>
+                        <a:schemeClr val="tx1"/>
+                      </a:solidFill>
+                      <a:prstDash val="solid"/>
+                      <a:round/>
+                      <a:headEnd type="none" w="med" len="med"/>
+                      <a:tailEnd type="none" w="med" len="med"/>
+                    </a:lnR>
+                    <a:lnT w="12700" cap="flat" cmpd="sng" algn="ctr">
+                      <a:solidFill>
+                        <a:schemeClr val="tx1"/>
+                      </a:solidFill>
+                      <a:prstDash val="solid"/>
+                      <a:round/>
+                      <a:headEnd type="none" w="med" len="med"/>
+                      <a:tailEnd type="none" w="med" len="med"/>
+                    </a:lnT>
+                    <a:lnB w="12700" cap="flat" cmpd="sng" algn="ctr">
+                      <a:solidFill>
+                        <a:schemeClr val="tx1"/>
+                      </a:solidFill>
+                      <a:prstDash val="solid"/>
+                      <a:round/>
+                      <a:headEnd type="none" w="med" len="med"/>
+                      <a:tailEnd type="none" w="med" len="med"/>
+                    </a:lnB>
+                    <a:noFill/>
+                  </a:tcPr>
+                </a:tc>
+                <a:tc>
+                  <a:txBody>
+                    <a:bodyPr/>
+                    <a:lstStyle/>
+                    <a:p>
+                      <a:pPr latinLnBrk="1"/>
+                      <a:r>
+                        <a:rPr lang="en-US" altLang="ko-KR" sz="1000" b="1" dirty="0" smtClean="0">
+                          <a:solidFill>
+                            <a:schemeClr val="tx1"/>
+                          </a:solidFill>
+                          <a:latin typeface="+mn-ea"/>
+                          <a:ea typeface="+mn-ea"/>
+                        </a:rPr>
+                        <a:t>5</a:t>
+                      </a:r>
+                      <a:endParaRPr lang="ko-KR" altLang="en-US" sz="1000" b="1" dirty="0">
+                        <a:solidFill>
+                          <a:schemeClr val="tx1"/>
+                        </a:solidFill>
+                        <a:latin typeface="+mn-ea"/>
+                        <a:ea typeface="+mn-ea"/>
+                      </a:endParaRPr>
+                    </a:p>
+                  </a:txBody>
+                  <a:tcPr>
+                    <a:lnL w="12700" cap="flat" cmpd="sng" algn="ctr">
+                      <a:solidFill>
+                        <a:schemeClr val="tx1"/>
+                      </a:solidFill>
+                      <a:prstDash val="solid"/>
+                      <a:round/>
+                      <a:headEnd type="none" w="med" len="med"/>
+                      <a:tailEnd type="none" w="med" len="med"/>
+                    </a:lnL>
+                    <a:lnR w="12700" cap="flat" cmpd="sng" algn="ctr">
+                      <a:solidFill>
+                        <a:schemeClr val="tx1"/>
+                      </a:solidFill>
+                      <a:prstDash val="solid"/>
+                      <a:round/>
+                      <a:headEnd type="none" w="med" len="med"/>
+                      <a:tailEnd type="none" w="med" len="med"/>
+                    </a:lnR>
+                    <a:lnT w="12700" cap="flat" cmpd="sng" algn="ctr">
+                      <a:solidFill>
+                        <a:schemeClr val="tx1"/>
+                      </a:solidFill>
+                      <a:prstDash val="solid"/>
+                      <a:round/>
+                      <a:headEnd type="none" w="med" len="med"/>
+                      <a:tailEnd type="none" w="med" len="med"/>
+                    </a:lnT>
+                    <a:lnB w="12700" cap="flat" cmpd="sng" algn="ctr">
+                      <a:solidFill>
+                        <a:schemeClr val="tx1"/>
+                      </a:solidFill>
+                      <a:prstDash val="solid"/>
+                      <a:round/>
+                      <a:headEnd type="none" w="med" len="med"/>
+                      <a:tailEnd type="none" w="med" len="med"/>
+                    </a:lnB>
+                    <a:noFill/>
+                  </a:tcPr>
+                </a:tc>
+                <a:tc>
+                  <a:txBody>
+                    <a:bodyPr/>
+                    <a:lstStyle/>
+                    <a:p>
+                      <a:pPr latinLnBrk="1"/>
+                      <a:r>
+                        <a:rPr lang="en-US" altLang="ko-KR" sz="1000" b="1" dirty="0" smtClean="0">
+                          <a:solidFill>
+                            <a:schemeClr val="tx1"/>
+                          </a:solidFill>
+                          <a:latin typeface="+mn-ea"/>
+                          <a:ea typeface="+mn-ea"/>
+                        </a:rPr>
+                        <a:t>{1,2,</a:t>
+                      </a:r>
+                      <a:r>
+                        <a:rPr lang="en-US" altLang="ko-KR" sz="1000" b="1" dirty="0" smtClean="0">
+                          <a:solidFill>
+                            <a:srgbClr val="FF0000"/>
+                          </a:solidFill>
+                          <a:latin typeface="+mn-ea"/>
+                          <a:ea typeface="+mn-ea"/>
+                        </a:rPr>
+                        <a:t>3</a:t>
+                      </a:r>
+                      <a:r>
+                        <a:rPr lang="en-US" altLang="ko-KR" sz="1000" b="1" dirty="0" smtClean="0">
+                          <a:solidFill>
+                            <a:schemeClr val="tx1"/>
+                          </a:solidFill>
+                          <a:latin typeface="+mn-ea"/>
+                          <a:ea typeface="+mn-ea"/>
+                        </a:rPr>
+                        <a:t>}</a:t>
+                      </a:r>
+                      <a:endParaRPr lang="ko-KR" altLang="en-US" sz="1000" b="1" dirty="0">
+                        <a:solidFill>
+                          <a:schemeClr val="tx1"/>
+                        </a:solidFill>
+                        <a:latin typeface="+mn-ea"/>
+                        <a:ea typeface="+mn-ea"/>
+                      </a:endParaRPr>
+                    </a:p>
+                  </a:txBody>
+                  <a:tcPr>
+                    <a:lnL w="12700" cap="flat" cmpd="sng" algn="ctr">
+                      <a:solidFill>
+                        <a:schemeClr val="tx1"/>
+                      </a:solidFill>
+                      <a:prstDash val="solid"/>
+                      <a:round/>
+                      <a:headEnd type="none" w="med" len="med"/>
+                      <a:tailEnd type="none" w="med" len="med"/>
+                    </a:lnL>
+                    <a:lnR w="12700" cap="flat" cmpd="sng" algn="ctr">
+                      <a:solidFill>
+                        <a:schemeClr val="tx1"/>
+                      </a:solidFill>
+                      <a:prstDash val="solid"/>
+                      <a:round/>
+                      <a:headEnd type="none" w="med" len="med"/>
+                      <a:tailEnd type="none" w="med" len="med"/>
+                    </a:lnR>
+                    <a:lnT w="12700" cap="flat" cmpd="sng" algn="ctr">
+                      <a:solidFill>
+                        <a:schemeClr val="tx1"/>
+                      </a:solidFill>
+                      <a:prstDash val="solid"/>
+                      <a:round/>
+                      <a:headEnd type="none" w="med" len="med"/>
+                      <a:tailEnd type="none" w="med" len="med"/>
+                    </a:lnT>
+                    <a:lnB w="12700" cap="flat" cmpd="sng" algn="ctr">
+                      <a:solidFill>
+                        <a:schemeClr val="tx1"/>
+                      </a:solidFill>
+                      <a:prstDash val="solid"/>
+                      <a:round/>
+                      <a:headEnd type="none" w="med" len="med"/>
+                      <a:tailEnd type="none" w="med" len="med"/>
+                    </a:lnB>
+                    <a:noFill/>
+                  </a:tcPr>
+                </a:tc>
+              </a:tr>
+              <a:tr h="225545">
+                <a:tc>
+                  <a:txBody>
+                    <a:bodyPr/>
+                    <a:lstStyle/>
+                    <a:p>
+                      <a:pPr latinLnBrk="1"/>
+                      <a:r>
+                        <a:rPr lang="en-US" altLang="ko-KR" sz="1000" b="1" dirty="0" smtClean="0">
+                          <a:solidFill>
+                            <a:schemeClr val="tx1"/>
+                          </a:solidFill>
+                          <a:latin typeface="+mn-ea"/>
+                          <a:ea typeface="+mn-ea"/>
+                        </a:rPr>
+                        <a:t>1</a:t>
+                      </a:r>
+                      <a:endParaRPr lang="ko-KR" altLang="en-US" sz="1000" b="1" dirty="0">
+                        <a:solidFill>
+                          <a:schemeClr val="tx1"/>
+                        </a:solidFill>
+                        <a:latin typeface="+mn-ea"/>
+                        <a:ea typeface="+mn-ea"/>
+                      </a:endParaRPr>
+                    </a:p>
+                  </a:txBody>
+                  <a:tcPr>
+                    <a:lnL w="12700" cap="flat" cmpd="sng" algn="ctr">
+                      <a:solidFill>
+                        <a:schemeClr val="tx1"/>
+                      </a:solidFill>
+                      <a:prstDash val="solid"/>
+                      <a:round/>
+                      <a:headEnd type="none" w="med" len="med"/>
+                      <a:tailEnd type="none" w="med" len="med"/>
+                    </a:lnL>
+                    <a:lnR w="12700" cap="flat" cmpd="sng" algn="ctr">
+                      <a:solidFill>
+                        <a:schemeClr val="tx1"/>
+                      </a:solidFill>
+                      <a:prstDash val="solid"/>
+                      <a:round/>
+                      <a:headEnd type="none" w="med" len="med"/>
+                      <a:tailEnd type="none" w="med" len="med"/>
+                    </a:lnR>
+                    <a:lnT w="12700" cap="flat" cmpd="sng" algn="ctr">
+                      <a:solidFill>
+                        <a:schemeClr val="tx1"/>
+                      </a:solidFill>
+                      <a:prstDash val="solid"/>
+                      <a:round/>
+                      <a:headEnd type="none" w="med" len="med"/>
+                      <a:tailEnd type="none" w="med" len="med"/>
+                    </a:lnT>
+                    <a:lnB w="12700" cap="flat" cmpd="sng" algn="ctr">
+                      <a:solidFill>
+                        <a:schemeClr val="tx1"/>
+                      </a:solidFill>
+                      <a:prstDash val="solid"/>
+                      <a:round/>
+                      <a:headEnd type="none" w="med" len="med"/>
+                      <a:tailEnd type="none" w="med" len="med"/>
+                    </a:lnB>
+                    <a:noFill/>
+                  </a:tcPr>
+                </a:tc>
+                <a:tc>
+                  <a:txBody>
+                    <a:bodyPr/>
+                    <a:lstStyle/>
+                    <a:p>
+                      <a:pPr latinLnBrk="1"/>
+                      <a:r>
+                        <a:rPr lang="en-US" altLang="ko-KR" sz="1000" b="1" dirty="0" smtClean="0">
+                          <a:solidFill>
+                            <a:schemeClr val="tx1"/>
+                          </a:solidFill>
+                          <a:latin typeface="+mn-ea"/>
+                          <a:ea typeface="+mn-ea"/>
+                        </a:rPr>
+                        <a:t>1</a:t>
+                      </a:r>
+                      <a:endParaRPr lang="ko-KR" altLang="en-US" sz="1000" b="1" dirty="0">
+                        <a:solidFill>
+                          <a:schemeClr val="tx1"/>
+                        </a:solidFill>
+                        <a:latin typeface="+mn-ea"/>
+                        <a:ea typeface="+mn-ea"/>
+                      </a:endParaRPr>
+                    </a:p>
+                  </a:txBody>
+                  <a:tcPr>
+                    <a:lnL w="12700" cap="flat" cmpd="sng" algn="ctr">
+                      <a:solidFill>
+                        <a:schemeClr val="tx1"/>
+                      </a:solidFill>
+                      <a:prstDash val="solid"/>
+                      <a:round/>
+                      <a:headEnd type="none" w="med" len="med"/>
+                      <a:tailEnd type="none" w="med" len="med"/>
+                    </a:lnL>
+                    <a:lnR w="12700" cap="flat" cmpd="sng" algn="ctr">
+                      <a:solidFill>
+                        <a:schemeClr val="tx1"/>
+                      </a:solidFill>
+                      <a:prstDash val="solid"/>
+                      <a:round/>
+                      <a:headEnd type="none" w="med" len="med"/>
+                      <a:tailEnd type="none" w="med" len="med"/>
+                    </a:lnR>
+                    <a:lnT w="12700" cap="flat" cmpd="sng" algn="ctr">
+                      <a:solidFill>
+                        <a:schemeClr val="tx1"/>
+                      </a:solidFill>
+                      <a:prstDash val="solid"/>
+                      <a:round/>
+                      <a:headEnd type="none" w="med" len="med"/>
+                      <a:tailEnd type="none" w="med" len="med"/>
+                    </a:lnT>
+                    <a:lnB w="12700" cap="flat" cmpd="sng" algn="ctr">
+                      <a:solidFill>
+                        <a:schemeClr val="tx1"/>
+                      </a:solidFill>
+                      <a:prstDash val="solid"/>
+                      <a:round/>
+                      <a:headEnd type="none" w="med" len="med"/>
+                      <a:tailEnd type="none" w="med" len="med"/>
+                    </a:lnB>
+                    <a:noFill/>
+                  </a:tcPr>
+                </a:tc>
+                <a:tc>
+                  <a:txBody>
+                    <a:bodyPr/>
+                    <a:lstStyle/>
+                    <a:p>
+                      <a:pPr latinLnBrk="1"/>
+                      <a:r>
+                        <a:rPr lang="en-US" altLang="ko-KR" sz="1000" b="1" dirty="0" smtClean="0">
+                          <a:solidFill>
+                            <a:schemeClr val="tx1"/>
+                          </a:solidFill>
+                          <a:latin typeface="+mn-ea"/>
+                          <a:ea typeface="+mn-ea"/>
+                        </a:rPr>
+                        <a:t>0</a:t>
+                      </a:r>
+                      <a:endParaRPr lang="ko-KR" altLang="en-US" sz="1000" b="1" dirty="0">
+                        <a:solidFill>
+                          <a:schemeClr val="tx1"/>
+                        </a:solidFill>
+                        <a:latin typeface="+mn-ea"/>
+                        <a:ea typeface="+mn-ea"/>
+                      </a:endParaRPr>
+                    </a:p>
+                  </a:txBody>
+                  <a:tcPr>
+                    <a:lnL w="12700" cap="flat" cmpd="sng" algn="ctr">
+                      <a:solidFill>
+                        <a:schemeClr val="tx1"/>
+                      </a:solidFill>
+                      <a:prstDash val="solid"/>
+                      <a:round/>
+                      <a:headEnd type="none" w="med" len="med"/>
+                      <a:tailEnd type="none" w="med" len="med"/>
+                    </a:lnL>
+                    <a:lnR w="12700" cap="flat" cmpd="sng" algn="ctr">
+                      <a:solidFill>
+                        <a:schemeClr val="tx1"/>
+                      </a:solidFill>
+                      <a:prstDash val="solid"/>
+                      <a:round/>
+                      <a:headEnd type="none" w="med" len="med"/>
+                      <a:tailEnd type="none" w="med" len="med"/>
+                    </a:lnR>
+                    <a:lnT w="12700" cap="flat" cmpd="sng" algn="ctr">
+                      <a:solidFill>
+                        <a:schemeClr val="tx1"/>
+                      </a:solidFill>
+                      <a:prstDash val="solid"/>
+                      <a:round/>
+                      <a:headEnd type="none" w="med" len="med"/>
+                      <a:tailEnd type="none" w="med" len="med"/>
+                    </a:lnT>
+                    <a:lnB w="12700" cap="flat" cmpd="sng" algn="ctr">
+                      <a:solidFill>
+                        <a:schemeClr val="tx1"/>
+                      </a:solidFill>
+                      <a:prstDash val="solid"/>
+                      <a:round/>
+                      <a:headEnd type="none" w="med" len="med"/>
+                      <a:tailEnd type="none" w="med" len="med"/>
+                    </a:lnB>
+                    <a:noFill/>
+                  </a:tcPr>
+                </a:tc>
+                <a:tc>
+                  <a:txBody>
+                    <a:bodyPr/>
+                    <a:lstStyle/>
+                    <a:p>
+                      <a:pPr latinLnBrk="1"/>
+                      <a:r>
+                        <a:rPr lang="en-US" altLang="ko-KR" sz="1000" b="1" dirty="0" smtClean="0">
+                          <a:solidFill>
+                            <a:srgbClr val="FF0000"/>
+                          </a:solidFill>
+                          <a:latin typeface="+mn-ea"/>
+                          <a:ea typeface="+mn-ea"/>
+                        </a:rPr>
+                        <a:t>4</a:t>
+                      </a:r>
+                      <a:endParaRPr lang="ko-KR" altLang="en-US" sz="1000" b="1" dirty="0">
+                        <a:solidFill>
+                          <a:srgbClr val="FF0000"/>
+                        </a:solidFill>
+                        <a:latin typeface="+mn-ea"/>
+                        <a:ea typeface="+mn-ea"/>
+                      </a:endParaRPr>
+                    </a:p>
+                  </a:txBody>
+                  <a:tcPr>
+                    <a:lnL w="12700" cap="flat" cmpd="sng" algn="ctr">
+                      <a:solidFill>
+                        <a:schemeClr val="tx1"/>
+                      </a:solidFill>
+                      <a:prstDash val="solid"/>
+                      <a:round/>
+                      <a:headEnd type="none" w="med" len="med"/>
+                      <a:tailEnd type="none" w="med" len="med"/>
+                    </a:lnL>
+                    <a:lnR w="12700" cap="flat" cmpd="sng" algn="ctr">
+                      <a:solidFill>
+                        <a:schemeClr val="tx1"/>
+                      </a:solidFill>
+                      <a:prstDash val="solid"/>
+                      <a:round/>
+                      <a:headEnd type="none" w="med" len="med"/>
+                      <a:tailEnd type="none" w="med" len="med"/>
+                    </a:lnR>
+                    <a:lnT w="12700" cap="flat" cmpd="sng" algn="ctr">
+                      <a:solidFill>
+                        <a:schemeClr val="tx1"/>
+                      </a:solidFill>
+                      <a:prstDash val="solid"/>
+                      <a:round/>
+                      <a:headEnd type="none" w="med" len="med"/>
+                      <a:tailEnd type="none" w="med" len="med"/>
+                    </a:lnT>
+                    <a:lnB w="12700" cap="flat" cmpd="sng" algn="ctr">
+                      <a:solidFill>
+                        <a:schemeClr val="tx1"/>
+                      </a:solidFill>
+                      <a:prstDash val="solid"/>
+                      <a:round/>
+                      <a:headEnd type="none" w="med" len="med"/>
+                      <a:tailEnd type="none" w="med" len="med"/>
+                    </a:lnB>
+                    <a:noFill/>
+                  </a:tcPr>
+                </a:tc>
+                <a:tc>
+                  <a:txBody>
+                    <a:bodyPr/>
+                    <a:lstStyle/>
+                    <a:p>
+                      <a:pPr latinLnBrk="1"/>
+                      <a:r>
+                        <a:rPr lang="en-US" altLang="ko-KR" sz="1000" b="1" dirty="0" smtClean="0">
+                          <a:solidFill>
+                            <a:schemeClr val="tx1"/>
+                          </a:solidFill>
+                          <a:latin typeface="+mn-ea"/>
+                          <a:ea typeface="+mn-ea"/>
+                        </a:rPr>
+                        <a:t>6</a:t>
+                      </a:r>
+                      <a:endParaRPr lang="ko-KR" altLang="en-US" sz="1000" b="1" dirty="0">
+                        <a:solidFill>
+                          <a:schemeClr val="tx1"/>
+                        </a:solidFill>
+                        <a:latin typeface="+mn-ea"/>
+                        <a:ea typeface="+mn-ea"/>
+                      </a:endParaRPr>
+                    </a:p>
+                  </a:txBody>
+                  <a:tcPr>
+                    <a:lnL w="12700" cap="flat" cmpd="sng" algn="ctr">
+                      <a:solidFill>
+                        <a:schemeClr val="tx1"/>
+                      </a:solidFill>
+                      <a:prstDash val="solid"/>
+                      <a:round/>
+                      <a:headEnd type="none" w="med" len="med"/>
+                      <a:tailEnd type="none" w="med" len="med"/>
+                    </a:lnL>
+                    <a:lnR w="12700" cap="flat" cmpd="sng" algn="ctr">
+                      <a:solidFill>
+                        <a:schemeClr val="tx1"/>
+                      </a:solidFill>
+                      <a:prstDash val="solid"/>
+                      <a:round/>
+                      <a:headEnd type="none" w="med" len="med"/>
+                      <a:tailEnd type="none" w="med" len="med"/>
+                    </a:lnR>
+                    <a:lnT w="12700" cap="flat" cmpd="sng" algn="ctr">
+                      <a:solidFill>
+                        <a:schemeClr val="tx1"/>
+                      </a:solidFill>
+                      <a:prstDash val="solid"/>
+                      <a:round/>
+                      <a:headEnd type="none" w="med" len="med"/>
+                      <a:tailEnd type="none" w="med" len="med"/>
+                    </a:lnT>
+                    <a:lnB w="12700" cap="flat" cmpd="sng" algn="ctr">
+                      <a:solidFill>
+                        <a:schemeClr val="tx1"/>
+                      </a:solidFill>
+                      <a:prstDash val="solid"/>
+                      <a:round/>
+                      <a:headEnd type="none" w="med" len="med"/>
+                      <a:tailEnd type="none" w="med" len="med"/>
+                    </a:lnB>
+                    <a:noFill/>
+                  </a:tcPr>
+                </a:tc>
+                <a:tc>
+                  <a:txBody>
+                    <a:bodyPr/>
+                    <a:lstStyle/>
+                    <a:p>
+                      <a:pPr latinLnBrk="1"/>
+                      <a:r>
+                        <a:rPr lang="en-US" altLang="ko-KR" sz="1000" b="1" dirty="0" smtClean="0">
+                          <a:solidFill>
+                            <a:schemeClr val="tx1"/>
+                          </a:solidFill>
+                          <a:latin typeface="+mn-ea"/>
+                          <a:ea typeface="+mn-ea"/>
+                        </a:rPr>
+                        <a:t>5</a:t>
+                      </a:r>
+                      <a:endParaRPr lang="ko-KR" altLang="en-US" sz="1000" b="1" dirty="0">
+                        <a:solidFill>
+                          <a:schemeClr val="tx1"/>
+                        </a:solidFill>
+                        <a:latin typeface="+mn-ea"/>
+                        <a:ea typeface="+mn-ea"/>
+                      </a:endParaRPr>
+                    </a:p>
+                  </a:txBody>
+                  <a:tcPr>
+                    <a:lnL w="12700" cap="flat" cmpd="sng" algn="ctr">
+                      <a:solidFill>
+                        <a:schemeClr val="tx1"/>
+                      </a:solidFill>
+                      <a:prstDash val="solid"/>
+                      <a:round/>
+                      <a:headEnd type="none" w="med" len="med"/>
+                      <a:tailEnd type="none" w="med" len="med"/>
+                    </a:lnL>
+                    <a:lnR w="12700" cap="flat" cmpd="sng" algn="ctr">
+                      <a:solidFill>
+                        <a:schemeClr val="tx1"/>
+                      </a:solidFill>
+                      <a:prstDash val="solid"/>
+                      <a:round/>
+                      <a:headEnd type="none" w="med" len="med"/>
+                      <a:tailEnd type="none" w="med" len="med"/>
+                    </a:lnR>
+                    <a:lnT w="12700" cap="flat" cmpd="sng" algn="ctr">
+                      <a:solidFill>
+                        <a:schemeClr val="tx1"/>
+                      </a:solidFill>
+                      <a:prstDash val="solid"/>
+                      <a:round/>
+                      <a:headEnd type="none" w="med" len="med"/>
+                      <a:tailEnd type="none" w="med" len="med"/>
+                    </a:lnT>
+                    <a:lnB w="12700" cap="flat" cmpd="sng" algn="ctr">
+                      <a:solidFill>
+                        <a:schemeClr val="tx1"/>
+                      </a:solidFill>
+                      <a:prstDash val="solid"/>
+                      <a:round/>
+                      <a:headEnd type="none" w="med" len="med"/>
+                      <a:tailEnd type="none" w="med" len="med"/>
+                    </a:lnB>
+                    <a:noFill/>
+                  </a:tcPr>
+                </a:tc>
+                <a:tc>
+                  <a:txBody>
+                    <a:bodyPr/>
+                    <a:lstStyle/>
+                    <a:p>
+                      <a:pPr latinLnBrk="1"/>
+                      <a:r>
+                        <a:rPr lang="en-US" altLang="ko-KR" sz="1000" b="1" dirty="0" smtClean="0">
+                          <a:solidFill>
+                            <a:schemeClr val="tx1"/>
+                          </a:solidFill>
+                          <a:latin typeface="+mn-ea"/>
+                          <a:ea typeface="+mn-ea"/>
+                        </a:rPr>
+                        <a:t>{</a:t>
+                      </a:r>
+                      <a:r>
+                        <a:rPr lang="en-US" altLang="ko-KR" sz="1000" b="1" dirty="0" smtClean="0">
+                          <a:solidFill>
+                            <a:schemeClr val="tx1"/>
+                          </a:solidFill>
+                          <a:latin typeface="+mn-ea"/>
+                          <a:ea typeface="+mn-ea"/>
+                        </a:rPr>
+                        <a:t>1,2,3,</a:t>
+                      </a:r>
+                      <a:r>
+                        <a:rPr lang="en-US" altLang="ko-KR" sz="1000" b="1" dirty="0" smtClean="0">
+                          <a:solidFill>
+                            <a:srgbClr val="FF0000"/>
+                          </a:solidFill>
+                          <a:latin typeface="+mn-ea"/>
+                          <a:ea typeface="+mn-ea"/>
+                        </a:rPr>
+                        <a:t>4</a:t>
+                      </a:r>
+                      <a:r>
+                        <a:rPr lang="en-US" altLang="ko-KR" sz="1000" b="1" dirty="0" smtClean="0">
+                          <a:solidFill>
+                            <a:schemeClr val="tx1"/>
+                          </a:solidFill>
+                          <a:latin typeface="+mn-ea"/>
+                          <a:ea typeface="+mn-ea"/>
+                        </a:rPr>
+                        <a:t>}</a:t>
+                      </a:r>
+                      <a:endParaRPr lang="ko-KR" altLang="en-US" sz="1000" b="1" dirty="0">
+                        <a:solidFill>
+                          <a:schemeClr val="tx1"/>
+                        </a:solidFill>
+                        <a:latin typeface="+mn-ea"/>
+                        <a:ea typeface="+mn-ea"/>
+                      </a:endParaRPr>
+                    </a:p>
+                  </a:txBody>
+                  <a:tcPr>
+                    <a:lnL w="12700" cap="flat" cmpd="sng" algn="ctr">
+                      <a:solidFill>
+                        <a:schemeClr val="tx1"/>
+                      </a:solidFill>
+                      <a:prstDash val="solid"/>
+                      <a:round/>
+                      <a:headEnd type="none" w="med" len="med"/>
+                      <a:tailEnd type="none" w="med" len="med"/>
+                    </a:lnL>
+                    <a:lnR w="12700" cap="flat" cmpd="sng" algn="ctr">
+                      <a:solidFill>
+                        <a:schemeClr val="tx1"/>
+                      </a:solidFill>
+                      <a:prstDash val="solid"/>
+                      <a:round/>
+                      <a:headEnd type="none" w="med" len="med"/>
+                      <a:tailEnd type="none" w="med" len="med"/>
+                    </a:lnR>
+                    <a:lnT w="12700" cap="flat" cmpd="sng" algn="ctr">
+                      <a:solidFill>
+                        <a:schemeClr val="tx1"/>
+                      </a:solidFill>
+                      <a:prstDash val="solid"/>
+                      <a:round/>
+                      <a:headEnd type="none" w="med" len="med"/>
+                      <a:tailEnd type="none" w="med" len="med"/>
+                    </a:lnT>
+                    <a:lnB w="12700" cap="flat" cmpd="sng" algn="ctr">
+                      <a:solidFill>
+                        <a:schemeClr val="tx1"/>
+                      </a:solidFill>
+                      <a:prstDash val="solid"/>
+                      <a:round/>
+                      <a:headEnd type="none" w="med" len="med"/>
+                      <a:tailEnd type="none" w="med" len="med"/>
+                    </a:lnB>
+                    <a:noFill/>
+                  </a:tcPr>
+                </a:tc>
+              </a:tr>
+              <a:tr h="225545">
+                <a:tc>
+                  <a:txBody>
+                    <a:bodyPr/>
+                    <a:lstStyle/>
+                    <a:p>
+                      <a:pPr latinLnBrk="1"/>
+                      <a:r>
+                        <a:rPr lang="en-US" altLang="ko-KR" sz="1000" b="1" dirty="0" smtClean="0">
+                          <a:solidFill>
+                            <a:schemeClr val="tx1"/>
+                          </a:solidFill>
+                          <a:latin typeface="+mn-ea"/>
+                          <a:ea typeface="+mn-ea"/>
+                        </a:rPr>
+                        <a:t>2</a:t>
+                      </a:r>
+                      <a:endParaRPr lang="ko-KR" altLang="en-US" sz="1000" b="1" dirty="0">
+                        <a:solidFill>
+                          <a:schemeClr val="tx1"/>
+                        </a:solidFill>
+                        <a:latin typeface="+mn-ea"/>
+                        <a:ea typeface="+mn-ea"/>
+                      </a:endParaRPr>
+                    </a:p>
+                  </a:txBody>
+                  <a:tcPr>
+                    <a:lnL w="12700" cap="flat" cmpd="sng" algn="ctr">
+                      <a:solidFill>
+                        <a:schemeClr val="tx1"/>
+                      </a:solidFill>
+                      <a:prstDash val="solid"/>
+                      <a:round/>
+                      <a:headEnd type="none" w="med" len="med"/>
+                      <a:tailEnd type="none" w="med" len="med"/>
+                    </a:lnL>
+                    <a:lnR w="12700" cap="flat" cmpd="sng" algn="ctr">
+                      <a:solidFill>
+                        <a:schemeClr val="tx1"/>
+                      </a:solidFill>
+                      <a:prstDash val="solid"/>
+                      <a:round/>
+                      <a:headEnd type="none" w="med" len="med"/>
+                      <a:tailEnd type="none" w="med" len="med"/>
+                    </a:lnR>
+                    <a:lnT w="12700" cap="flat" cmpd="sng" algn="ctr">
+                      <a:solidFill>
+                        <a:schemeClr val="tx1"/>
+                      </a:solidFill>
+                      <a:prstDash val="solid"/>
+                      <a:round/>
+                      <a:headEnd type="none" w="med" len="med"/>
+                      <a:tailEnd type="none" w="med" len="med"/>
+                    </a:lnT>
+                    <a:lnB w="12700" cap="flat" cmpd="sng" algn="ctr">
+                      <a:solidFill>
+                        <a:schemeClr val="tx1"/>
+                      </a:solidFill>
+                      <a:prstDash val="solid"/>
+                      <a:round/>
+                      <a:headEnd type="none" w="med" len="med"/>
+                      <a:tailEnd type="none" w="med" len="med"/>
+                    </a:lnB>
+                    <a:noFill/>
+                  </a:tcPr>
+                </a:tc>
+                <a:tc>
+                  <a:txBody>
+                    <a:bodyPr/>
+                    <a:lstStyle/>
+                    <a:p>
+                      <a:pPr latinLnBrk="1"/>
+                      <a:r>
+                        <a:rPr lang="en-US" altLang="ko-KR" sz="1000" b="1" dirty="0" smtClean="0">
+                          <a:solidFill>
+                            <a:schemeClr val="tx1"/>
+                          </a:solidFill>
+                          <a:latin typeface="+mn-ea"/>
+                          <a:ea typeface="+mn-ea"/>
+                        </a:rPr>
+                        <a:t>1</a:t>
+                      </a:r>
+                      <a:endParaRPr lang="ko-KR" altLang="en-US" sz="1000" b="1" dirty="0">
+                        <a:solidFill>
+                          <a:schemeClr val="tx1"/>
+                        </a:solidFill>
+                        <a:latin typeface="+mn-ea"/>
+                        <a:ea typeface="+mn-ea"/>
+                      </a:endParaRPr>
+                    </a:p>
+                  </a:txBody>
+                  <a:tcPr>
+                    <a:lnL w="12700" cap="flat" cmpd="sng" algn="ctr">
+                      <a:solidFill>
+                        <a:schemeClr val="tx1"/>
+                      </a:solidFill>
+                      <a:prstDash val="solid"/>
+                      <a:round/>
+                      <a:headEnd type="none" w="med" len="med"/>
+                      <a:tailEnd type="none" w="med" len="med"/>
+                    </a:lnL>
+                    <a:lnR w="12700" cap="flat" cmpd="sng" algn="ctr">
+                      <a:solidFill>
+                        <a:schemeClr val="tx1"/>
+                      </a:solidFill>
+                      <a:prstDash val="solid"/>
+                      <a:round/>
+                      <a:headEnd type="none" w="med" len="med"/>
+                      <a:tailEnd type="none" w="med" len="med"/>
+                    </a:lnR>
+                    <a:lnT w="12700" cap="flat" cmpd="sng" algn="ctr">
+                      <a:solidFill>
+                        <a:schemeClr val="tx1"/>
+                      </a:solidFill>
+                      <a:prstDash val="solid"/>
+                      <a:round/>
+                      <a:headEnd type="none" w="med" len="med"/>
+                      <a:tailEnd type="none" w="med" len="med"/>
+                    </a:lnT>
+                    <a:lnB w="12700" cap="flat" cmpd="sng" algn="ctr">
+                      <a:solidFill>
+                        <a:schemeClr val="tx1"/>
+                      </a:solidFill>
+                      <a:prstDash val="solid"/>
+                      <a:round/>
+                      <a:headEnd type="none" w="med" len="med"/>
+                      <a:tailEnd type="none" w="med" len="med"/>
+                    </a:lnB>
+                    <a:noFill/>
+                  </a:tcPr>
+                </a:tc>
+                <a:tc>
+                  <a:txBody>
+                    <a:bodyPr/>
+                    <a:lstStyle/>
+                    <a:p>
+                      <a:pPr latinLnBrk="1"/>
+                      <a:r>
+                        <a:rPr lang="en-US" altLang="ko-KR" sz="1000" b="1" dirty="0" smtClean="0">
+                          <a:solidFill>
+                            <a:schemeClr val="tx1"/>
+                          </a:solidFill>
+                          <a:latin typeface="+mn-ea"/>
+                          <a:ea typeface="+mn-ea"/>
+                        </a:rPr>
+                        <a:t>0</a:t>
+                      </a:r>
+                      <a:endParaRPr lang="ko-KR" altLang="en-US" sz="1000" b="1" dirty="0">
+                        <a:solidFill>
+                          <a:schemeClr val="tx1"/>
+                        </a:solidFill>
+                        <a:latin typeface="+mn-ea"/>
+                        <a:ea typeface="+mn-ea"/>
+                      </a:endParaRPr>
+                    </a:p>
+                  </a:txBody>
+                  <a:tcPr>
+                    <a:lnL w="12700" cap="flat" cmpd="sng" algn="ctr">
+                      <a:solidFill>
+                        <a:schemeClr val="tx1"/>
+                      </a:solidFill>
+                      <a:prstDash val="solid"/>
+                      <a:round/>
+                      <a:headEnd type="none" w="med" len="med"/>
+                      <a:tailEnd type="none" w="med" len="med"/>
+                    </a:lnL>
+                    <a:lnR w="12700" cap="flat" cmpd="sng" algn="ctr">
+                      <a:solidFill>
+                        <a:schemeClr val="tx1"/>
+                      </a:solidFill>
+                      <a:prstDash val="solid"/>
+                      <a:round/>
+                      <a:headEnd type="none" w="med" len="med"/>
+                      <a:tailEnd type="none" w="med" len="med"/>
+                    </a:lnR>
+                    <a:lnT w="12700" cap="flat" cmpd="sng" algn="ctr">
+                      <a:solidFill>
+                        <a:schemeClr val="tx1"/>
+                      </a:solidFill>
+                      <a:prstDash val="solid"/>
+                      <a:round/>
+                      <a:headEnd type="none" w="med" len="med"/>
+                      <a:tailEnd type="none" w="med" len="med"/>
+                    </a:lnT>
+                    <a:lnB w="12700" cap="flat" cmpd="sng" algn="ctr">
+                      <a:solidFill>
+                        <a:schemeClr val="tx1"/>
+                      </a:solidFill>
+                      <a:prstDash val="solid"/>
+                      <a:round/>
+                      <a:headEnd type="none" w="med" len="med"/>
+                      <a:tailEnd type="none" w="med" len="med"/>
+                    </a:lnB>
+                    <a:noFill/>
+                  </a:tcPr>
+                </a:tc>
+                <a:tc>
+                  <a:txBody>
+                    <a:bodyPr/>
+                    <a:lstStyle/>
+                    <a:p>
+                      <a:pPr latinLnBrk="1"/>
+                      <a:r>
+                        <a:rPr lang="en-US" altLang="ko-KR" sz="1000" b="1" dirty="0" smtClean="0">
+                          <a:solidFill>
+                            <a:schemeClr val="tx1"/>
+                          </a:solidFill>
+                          <a:latin typeface="+mn-ea"/>
+                          <a:ea typeface="+mn-ea"/>
+                        </a:rPr>
+                        <a:t>6</a:t>
+                      </a:r>
+                      <a:endParaRPr lang="ko-KR" altLang="en-US" sz="1000" b="1" dirty="0">
+                        <a:solidFill>
+                          <a:schemeClr val="tx1"/>
+                        </a:solidFill>
+                        <a:latin typeface="+mn-ea"/>
+                        <a:ea typeface="+mn-ea"/>
+                      </a:endParaRPr>
+                    </a:p>
+                  </a:txBody>
+                  <a:tcPr>
+                    <a:lnL w="12700" cap="flat" cmpd="sng" algn="ctr">
+                      <a:solidFill>
+                        <a:schemeClr val="tx1"/>
+                      </a:solidFill>
+                      <a:prstDash val="solid"/>
+                      <a:round/>
+                      <a:headEnd type="none" w="med" len="med"/>
+                      <a:tailEnd type="none" w="med" len="med"/>
+                    </a:lnL>
+                    <a:lnR w="12700" cap="flat" cmpd="sng" algn="ctr">
+                      <a:solidFill>
+                        <a:schemeClr val="tx1"/>
+                      </a:solidFill>
+                      <a:prstDash val="solid"/>
+                      <a:round/>
+                      <a:headEnd type="none" w="med" len="med"/>
+                      <a:tailEnd type="none" w="med" len="med"/>
+                    </a:lnR>
+                    <a:lnT w="12700" cap="flat" cmpd="sng" algn="ctr">
+                      <a:solidFill>
+                        <a:schemeClr val="tx1"/>
+                      </a:solidFill>
+                      <a:prstDash val="solid"/>
+                      <a:round/>
+                      <a:headEnd type="none" w="med" len="med"/>
+                      <a:tailEnd type="none" w="med" len="med"/>
+                    </a:lnT>
+                    <a:lnB w="12700" cap="flat" cmpd="sng" algn="ctr">
+                      <a:solidFill>
+                        <a:schemeClr val="tx1"/>
+                      </a:solidFill>
+                      <a:prstDash val="solid"/>
+                      <a:round/>
+                      <a:headEnd type="none" w="med" len="med"/>
+                      <a:tailEnd type="none" w="med" len="med"/>
+                    </a:lnB>
+                    <a:noFill/>
+                  </a:tcPr>
+                </a:tc>
+                <a:tc>
+                  <a:txBody>
+                    <a:bodyPr/>
+                    <a:lstStyle/>
+                    <a:p>
+                      <a:pPr latinLnBrk="1"/>
+                      <a:r>
+                        <a:rPr lang="en-US" altLang="ko-KR" sz="1000" b="1" dirty="0" smtClean="0">
+                          <a:solidFill>
+                            <a:schemeClr val="tx1"/>
+                          </a:solidFill>
+                          <a:latin typeface="+mn-ea"/>
+                          <a:ea typeface="+mn-ea"/>
+                        </a:rPr>
+                        <a:t>6</a:t>
+                      </a:r>
+                      <a:endParaRPr lang="ko-KR" altLang="en-US" sz="1000" b="1" dirty="0">
+                        <a:solidFill>
+                          <a:schemeClr val="tx1"/>
+                        </a:solidFill>
+                        <a:latin typeface="+mn-ea"/>
+                        <a:ea typeface="+mn-ea"/>
+                      </a:endParaRPr>
+                    </a:p>
+                  </a:txBody>
+                  <a:tcPr>
+                    <a:lnL w="12700" cap="flat" cmpd="sng" algn="ctr">
+                      <a:solidFill>
+                        <a:schemeClr val="tx1"/>
+                      </a:solidFill>
+                      <a:prstDash val="solid"/>
+                      <a:round/>
+                      <a:headEnd type="none" w="med" len="med"/>
+                      <a:tailEnd type="none" w="med" len="med"/>
+                    </a:lnL>
+                    <a:lnR w="12700" cap="flat" cmpd="sng" algn="ctr">
+                      <a:solidFill>
+                        <a:schemeClr val="tx1"/>
+                      </a:solidFill>
+                      <a:prstDash val="solid"/>
+                      <a:round/>
+                      <a:headEnd type="none" w="med" len="med"/>
+                      <a:tailEnd type="none" w="med" len="med"/>
+                    </a:lnR>
+                    <a:lnT w="12700" cap="flat" cmpd="sng" algn="ctr">
+                      <a:solidFill>
+                        <a:schemeClr val="tx1"/>
+                      </a:solidFill>
+                      <a:prstDash val="solid"/>
+                      <a:round/>
+                      <a:headEnd type="none" w="med" len="med"/>
+                      <a:tailEnd type="none" w="med" len="med"/>
+                    </a:lnT>
+                    <a:lnB w="12700" cap="flat" cmpd="sng" algn="ctr">
+                      <a:solidFill>
+                        <a:schemeClr val="tx1"/>
+                      </a:solidFill>
+                      <a:prstDash val="solid"/>
+                      <a:round/>
+                      <a:headEnd type="none" w="med" len="med"/>
+                      <a:tailEnd type="none" w="med" len="med"/>
+                    </a:lnB>
+                    <a:noFill/>
+                  </a:tcPr>
+                </a:tc>
+                <a:tc>
+                  <a:txBody>
+                    <a:bodyPr/>
+                    <a:lstStyle/>
+                    <a:p>
+                      <a:pPr latinLnBrk="1"/>
+                      <a:r>
+                        <a:rPr lang="en-US" altLang="ko-KR" sz="1000" b="1" dirty="0" smtClean="0">
+                          <a:solidFill>
+                            <a:srgbClr val="FF0000"/>
+                          </a:solidFill>
+                          <a:latin typeface="+mn-ea"/>
+                          <a:ea typeface="+mn-ea"/>
+                        </a:rPr>
+                        <a:t>5</a:t>
+                      </a:r>
+                      <a:endParaRPr lang="ko-KR" altLang="en-US" sz="1000" b="1" dirty="0">
+                        <a:solidFill>
+                          <a:srgbClr val="FF0000"/>
+                        </a:solidFill>
+                        <a:latin typeface="+mn-ea"/>
+                        <a:ea typeface="+mn-ea"/>
+                      </a:endParaRPr>
+                    </a:p>
+                  </a:txBody>
+                  <a:tcPr>
+                    <a:lnL w="12700" cap="flat" cmpd="sng" algn="ctr">
+                      <a:solidFill>
+                        <a:schemeClr val="tx1"/>
+                      </a:solidFill>
+                      <a:prstDash val="solid"/>
+                      <a:round/>
+                      <a:headEnd type="none" w="med" len="med"/>
+                      <a:tailEnd type="none" w="med" len="med"/>
+                    </a:lnL>
+                    <a:lnR w="12700" cap="flat" cmpd="sng" algn="ctr">
+                      <a:solidFill>
+                        <a:schemeClr val="tx1"/>
+                      </a:solidFill>
+                      <a:prstDash val="solid"/>
+                      <a:round/>
+                      <a:headEnd type="none" w="med" len="med"/>
+                      <a:tailEnd type="none" w="med" len="med"/>
+                    </a:lnR>
+                    <a:lnT w="12700" cap="flat" cmpd="sng" algn="ctr">
+                      <a:solidFill>
+                        <a:schemeClr val="tx1"/>
+                      </a:solidFill>
+                      <a:prstDash val="solid"/>
+                      <a:round/>
+                      <a:headEnd type="none" w="med" len="med"/>
+                      <a:tailEnd type="none" w="med" len="med"/>
+                    </a:lnT>
+                    <a:lnB w="12700" cap="flat" cmpd="sng" algn="ctr">
+                      <a:solidFill>
+                        <a:schemeClr val="tx1"/>
+                      </a:solidFill>
+                      <a:prstDash val="solid"/>
+                      <a:round/>
+                      <a:headEnd type="none" w="med" len="med"/>
+                      <a:tailEnd type="none" w="med" len="med"/>
+                    </a:lnB>
+                    <a:noFill/>
+                  </a:tcPr>
+                </a:tc>
+                <a:tc>
+                  <a:txBody>
+                    <a:bodyPr/>
+                    <a:lstStyle/>
+                    <a:p>
+                      <a:pPr latinLnBrk="1"/>
+                      <a:r>
+                        <a:rPr lang="en-US" altLang="ko-KR" sz="1000" b="1" dirty="0" smtClean="0">
+                          <a:solidFill>
+                            <a:schemeClr val="tx1"/>
+                          </a:solidFill>
+                          <a:latin typeface="+mn-ea"/>
+                          <a:ea typeface="+mn-ea"/>
+                        </a:rPr>
+                        <a:t>{</a:t>
+                      </a:r>
+                      <a:r>
+                        <a:rPr lang="en-US" altLang="ko-KR" sz="1000" b="1" dirty="0" smtClean="0">
+                          <a:solidFill>
+                            <a:schemeClr val="tx1"/>
+                          </a:solidFill>
+                          <a:latin typeface="+mn-ea"/>
+                          <a:ea typeface="+mn-ea"/>
+                        </a:rPr>
+                        <a:t>1,2,3,4,</a:t>
+                      </a:r>
+                      <a:r>
+                        <a:rPr lang="en-US" altLang="ko-KR" sz="1000" b="1" dirty="0" smtClean="0">
+                          <a:solidFill>
+                            <a:srgbClr val="FF0000"/>
+                          </a:solidFill>
+                          <a:latin typeface="+mn-ea"/>
+                          <a:ea typeface="+mn-ea"/>
+                        </a:rPr>
+                        <a:t>5</a:t>
+                      </a:r>
+                      <a:r>
+                        <a:rPr lang="en-US" altLang="ko-KR" sz="1000" b="1" dirty="0" smtClean="0">
+                          <a:solidFill>
+                            <a:schemeClr val="tx1"/>
+                          </a:solidFill>
+                          <a:latin typeface="+mn-ea"/>
+                          <a:ea typeface="+mn-ea"/>
+                        </a:rPr>
+                        <a:t>}</a:t>
+                      </a:r>
+                      <a:endParaRPr lang="ko-KR" altLang="en-US" sz="1000" b="1" dirty="0">
+                        <a:solidFill>
+                          <a:schemeClr val="tx1"/>
+                        </a:solidFill>
+                        <a:latin typeface="+mn-ea"/>
+                        <a:ea typeface="+mn-ea"/>
+                      </a:endParaRPr>
+                    </a:p>
+                  </a:txBody>
+                  <a:tcPr>
+                    <a:lnL w="12700" cap="flat" cmpd="sng" algn="ctr">
+                      <a:solidFill>
+                        <a:schemeClr val="tx1"/>
+                      </a:solidFill>
+                      <a:prstDash val="solid"/>
+                      <a:round/>
+                      <a:headEnd type="none" w="med" len="med"/>
+                      <a:tailEnd type="none" w="med" len="med"/>
+                    </a:lnL>
+                    <a:lnR w="12700" cap="flat" cmpd="sng" algn="ctr">
+                      <a:solidFill>
+                        <a:schemeClr val="tx1"/>
+                      </a:solidFill>
+                      <a:prstDash val="solid"/>
+                      <a:round/>
+                      <a:headEnd type="none" w="med" len="med"/>
+                      <a:tailEnd type="none" w="med" len="med"/>
+                    </a:lnR>
+                    <a:lnT w="12700" cap="flat" cmpd="sng" algn="ctr">
+                      <a:solidFill>
+                        <a:schemeClr val="tx1"/>
+                      </a:solidFill>
+                      <a:prstDash val="solid"/>
+                      <a:round/>
+                      <a:headEnd type="none" w="med" len="med"/>
+                      <a:tailEnd type="none" w="med" len="med"/>
+                    </a:lnT>
+                    <a:lnB w="12700" cap="flat" cmpd="sng" algn="ctr">
+                      <a:solidFill>
+                        <a:schemeClr val="tx1"/>
+                      </a:solidFill>
+                      <a:prstDash val="solid"/>
+                      <a:round/>
+                      <a:headEnd type="none" w="med" len="med"/>
+                      <a:tailEnd type="none" w="med" len="med"/>
+                    </a:lnB>
+                    <a:noFill/>
+                  </a:tcPr>
+                </a:tc>
+              </a:tr>
+              <a:tr h="225545">
+                <a:tc>
+                  <a:txBody>
+                    <a:bodyPr/>
+                    <a:lstStyle/>
+                    <a:p>
+                      <a:pPr latinLnBrk="1"/>
+                      <a:r>
+                        <a:rPr lang="en-US" altLang="ko-KR" sz="1000" b="1" dirty="0" smtClean="0">
+                          <a:solidFill>
+                            <a:schemeClr val="tx1"/>
+                          </a:solidFill>
+                          <a:latin typeface="+mn-ea"/>
+                          <a:ea typeface="+mn-ea"/>
+                        </a:rPr>
+                        <a:t>2</a:t>
+                      </a:r>
+                      <a:endParaRPr lang="ko-KR" altLang="en-US" sz="1000" b="1" dirty="0">
+                        <a:solidFill>
+                          <a:schemeClr val="tx1"/>
+                        </a:solidFill>
+                        <a:latin typeface="+mn-ea"/>
+                        <a:ea typeface="+mn-ea"/>
+                      </a:endParaRPr>
+                    </a:p>
+                  </a:txBody>
+                  <a:tcPr>
+                    <a:lnL w="12700" cap="flat" cmpd="sng" algn="ctr">
+                      <a:solidFill>
+                        <a:schemeClr val="tx1"/>
+                      </a:solidFill>
+                      <a:prstDash val="solid"/>
+                      <a:round/>
+                      <a:headEnd type="none" w="med" len="med"/>
+                      <a:tailEnd type="none" w="med" len="med"/>
+                    </a:lnL>
+                    <a:lnR w="12700" cap="flat" cmpd="sng" algn="ctr">
+                      <a:solidFill>
+                        <a:schemeClr val="tx1"/>
+                      </a:solidFill>
+                      <a:prstDash val="solid"/>
+                      <a:round/>
+                      <a:headEnd type="none" w="med" len="med"/>
+                      <a:tailEnd type="none" w="med" len="med"/>
+                    </a:lnR>
+                    <a:lnT w="12700" cap="flat" cmpd="sng" algn="ctr">
+                      <a:solidFill>
+                        <a:schemeClr val="tx1"/>
+                      </a:solidFill>
+                      <a:prstDash val="solid"/>
+                      <a:round/>
+                      <a:headEnd type="none" w="med" len="med"/>
+                      <a:tailEnd type="none" w="med" len="med"/>
+                    </a:lnT>
+                    <a:lnB w="12700" cap="flat" cmpd="sng" algn="ctr">
+                      <a:solidFill>
+                        <a:schemeClr val="tx1"/>
+                      </a:solidFill>
+                      <a:prstDash val="solid"/>
+                      <a:round/>
+                      <a:headEnd type="none" w="med" len="med"/>
+                      <a:tailEnd type="none" w="med" len="med"/>
+                    </a:lnB>
+                    <a:noFill/>
+                  </a:tcPr>
+                </a:tc>
+                <a:tc>
+                  <a:txBody>
+                    <a:bodyPr/>
+                    <a:lstStyle/>
+                    <a:p>
+                      <a:pPr latinLnBrk="1"/>
+                      <a:r>
+                        <a:rPr lang="en-US" altLang="ko-KR" sz="1000" b="1" dirty="0" smtClean="0">
+                          <a:solidFill>
+                            <a:schemeClr val="tx1"/>
+                          </a:solidFill>
+                          <a:latin typeface="+mn-ea"/>
+                          <a:ea typeface="+mn-ea"/>
+                        </a:rPr>
+                        <a:t>1</a:t>
+                      </a:r>
+                      <a:endParaRPr lang="ko-KR" altLang="en-US" sz="1000" b="1" dirty="0">
+                        <a:solidFill>
+                          <a:schemeClr val="tx1"/>
+                        </a:solidFill>
+                        <a:latin typeface="+mn-ea"/>
+                        <a:ea typeface="+mn-ea"/>
+                      </a:endParaRPr>
+                    </a:p>
+                  </a:txBody>
+                  <a:tcPr>
+                    <a:lnL w="12700" cap="flat" cmpd="sng" algn="ctr">
+                      <a:solidFill>
+                        <a:schemeClr val="tx1"/>
+                      </a:solidFill>
+                      <a:prstDash val="solid"/>
+                      <a:round/>
+                      <a:headEnd type="none" w="med" len="med"/>
+                      <a:tailEnd type="none" w="med" len="med"/>
+                    </a:lnL>
+                    <a:lnR w="12700" cap="flat" cmpd="sng" algn="ctr">
+                      <a:solidFill>
+                        <a:schemeClr val="tx1"/>
+                      </a:solidFill>
+                      <a:prstDash val="solid"/>
+                      <a:round/>
+                      <a:headEnd type="none" w="med" len="med"/>
+                      <a:tailEnd type="none" w="med" len="med"/>
+                    </a:lnR>
+                    <a:lnT w="12700" cap="flat" cmpd="sng" algn="ctr">
+                      <a:solidFill>
+                        <a:schemeClr val="tx1"/>
+                      </a:solidFill>
+                      <a:prstDash val="solid"/>
+                      <a:round/>
+                      <a:headEnd type="none" w="med" len="med"/>
+                      <a:tailEnd type="none" w="med" len="med"/>
+                    </a:lnT>
+                    <a:lnB w="12700" cap="flat" cmpd="sng" algn="ctr">
+                      <a:solidFill>
+                        <a:schemeClr val="tx1"/>
+                      </a:solidFill>
+                      <a:prstDash val="solid"/>
+                      <a:round/>
+                      <a:headEnd type="none" w="med" len="med"/>
+                      <a:tailEnd type="none" w="med" len="med"/>
+                    </a:lnB>
+                    <a:noFill/>
+                  </a:tcPr>
+                </a:tc>
+                <a:tc>
+                  <a:txBody>
+                    <a:bodyPr/>
+                    <a:lstStyle/>
+                    <a:p>
+                      <a:pPr latinLnBrk="1"/>
+                      <a:r>
+                        <a:rPr lang="en-US" altLang="ko-KR" sz="1000" b="1" dirty="0" smtClean="0">
+                          <a:solidFill>
+                            <a:schemeClr val="tx1"/>
+                          </a:solidFill>
+                          <a:latin typeface="+mn-ea"/>
+                          <a:ea typeface="+mn-ea"/>
+                        </a:rPr>
+                        <a:t>1</a:t>
+                      </a:r>
+                      <a:endParaRPr lang="ko-KR" altLang="en-US" sz="1000" b="1" dirty="0">
+                        <a:solidFill>
+                          <a:schemeClr val="tx1"/>
+                        </a:solidFill>
+                        <a:latin typeface="+mn-ea"/>
+                        <a:ea typeface="+mn-ea"/>
+                      </a:endParaRPr>
+                    </a:p>
+                  </a:txBody>
+                  <a:tcPr>
+                    <a:lnL w="12700" cap="flat" cmpd="sng" algn="ctr">
+                      <a:solidFill>
+                        <a:schemeClr val="tx1"/>
+                      </a:solidFill>
+                      <a:prstDash val="solid"/>
+                      <a:round/>
+                      <a:headEnd type="none" w="med" len="med"/>
+                      <a:tailEnd type="none" w="med" len="med"/>
+                    </a:lnL>
+                    <a:lnR w="12700" cap="flat" cmpd="sng" algn="ctr">
+                      <a:solidFill>
+                        <a:schemeClr val="tx1"/>
+                      </a:solidFill>
+                      <a:prstDash val="solid"/>
+                      <a:round/>
+                      <a:headEnd type="none" w="med" len="med"/>
+                      <a:tailEnd type="none" w="med" len="med"/>
+                    </a:lnR>
+                    <a:lnT w="12700" cap="flat" cmpd="sng" algn="ctr">
+                      <a:solidFill>
+                        <a:schemeClr val="tx1"/>
+                      </a:solidFill>
+                      <a:prstDash val="solid"/>
+                      <a:round/>
+                      <a:headEnd type="none" w="med" len="med"/>
+                      <a:tailEnd type="none" w="med" len="med"/>
+                    </a:lnT>
+                    <a:lnB w="12700" cap="flat" cmpd="sng" algn="ctr">
+                      <a:solidFill>
+                        <a:schemeClr val="tx1"/>
+                      </a:solidFill>
+                      <a:prstDash val="solid"/>
+                      <a:round/>
+                      <a:headEnd type="none" w="med" len="med"/>
+                      <a:tailEnd type="none" w="med" len="med"/>
+                    </a:lnB>
+                    <a:noFill/>
+                  </a:tcPr>
+                </a:tc>
+                <a:tc>
+                  <a:txBody>
+                    <a:bodyPr/>
+                    <a:lstStyle/>
+                    <a:p>
+                      <a:pPr latinLnBrk="1"/>
+                      <a:r>
+                        <a:rPr lang="en-US" altLang="ko-KR" sz="1000" b="1" dirty="0" smtClean="0">
+                          <a:solidFill>
+                            <a:srgbClr val="FF0000"/>
+                          </a:solidFill>
+                          <a:latin typeface="+mn-ea"/>
+                          <a:ea typeface="+mn-ea"/>
+                        </a:rPr>
+                        <a:t>6</a:t>
+                      </a:r>
+                      <a:endParaRPr lang="ko-KR" altLang="en-US" sz="1000" b="1" dirty="0">
+                        <a:solidFill>
+                          <a:srgbClr val="FF0000"/>
+                        </a:solidFill>
+                        <a:latin typeface="+mn-ea"/>
+                        <a:ea typeface="+mn-ea"/>
+                      </a:endParaRPr>
+                    </a:p>
+                  </a:txBody>
+                  <a:tcPr>
+                    <a:lnL w="12700" cap="flat" cmpd="sng" algn="ctr">
+                      <a:solidFill>
+                        <a:schemeClr val="tx1"/>
+                      </a:solidFill>
+                      <a:prstDash val="solid"/>
+                      <a:round/>
+                      <a:headEnd type="none" w="med" len="med"/>
+                      <a:tailEnd type="none" w="med" len="med"/>
+                    </a:lnL>
+                    <a:lnR w="12700" cap="flat" cmpd="sng" algn="ctr">
+                      <a:solidFill>
+                        <a:schemeClr val="tx1"/>
+                      </a:solidFill>
+                      <a:prstDash val="solid"/>
+                      <a:round/>
+                      <a:headEnd type="none" w="med" len="med"/>
+                      <a:tailEnd type="none" w="med" len="med"/>
+                    </a:lnR>
+                    <a:lnT w="12700" cap="flat" cmpd="sng" algn="ctr">
+                      <a:solidFill>
+                        <a:schemeClr val="tx1"/>
+                      </a:solidFill>
+                      <a:prstDash val="solid"/>
+                      <a:round/>
+                      <a:headEnd type="none" w="med" len="med"/>
+                      <a:tailEnd type="none" w="med" len="med"/>
+                    </a:lnT>
+                    <a:lnB w="12700" cap="flat" cmpd="sng" algn="ctr">
+                      <a:solidFill>
+                        <a:schemeClr val="tx1"/>
+                      </a:solidFill>
+                      <a:prstDash val="solid"/>
+                      <a:round/>
+                      <a:headEnd type="none" w="med" len="med"/>
+                      <a:tailEnd type="none" w="med" len="med"/>
+                    </a:lnB>
+                    <a:noFill/>
+                  </a:tcPr>
+                </a:tc>
+                <a:tc>
+                  <a:txBody>
+                    <a:bodyPr/>
+                    <a:lstStyle/>
+                    <a:p>
+                      <a:pPr latinLnBrk="1"/>
+                      <a:r>
+                        <a:rPr lang="en-US" altLang="ko-KR" sz="1000" b="1" dirty="0" smtClean="0">
+                          <a:solidFill>
+                            <a:srgbClr val="FF0000"/>
+                          </a:solidFill>
+                          <a:latin typeface="+mn-ea"/>
+                          <a:ea typeface="+mn-ea"/>
+                        </a:rPr>
+                        <a:t>6</a:t>
+                      </a:r>
+                      <a:endParaRPr lang="ko-KR" altLang="en-US" sz="1000" b="1" dirty="0">
+                        <a:solidFill>
+                          <a:srgbClr val="FF0000"/>
+                        </a:solidFill>
+                        <a:latin typeface="+mn-ea"/>
+                        <a:ea typeface="+mn-ea"/>
+                      </a:endParaRPr>
+                    </a:p>
+                  </a:txBody>
+                  <a:tcPr>
+                    <a:lnL w="12700" cap="flat" cmpd="sng" algn="ctr">
+                      <a:solidFill>
+                        <a:schemeClr val="tx1"/>
+                      </a:solidFill>
+                      <a:prstDash val="solid"/>
+                      <a:round/>
+                      <a:headEnd type="none" w="med" len="med"/>
+                      <a:tailEnd type="none" w="med" len="med"/>
+                    </a:lnL>
+                    <a:lnR w="12700" cap="flat" cmpd="sng" algn="ctr">
+                      <a:solidFill>
+                        <a:schemeClr val="tx1"/>
+                      </a:solidFill>
+                      <a:prstDash val="solid"/>
+                      <a:round/>
+                      <a:headEnd type="none" w="med" len="med"/>
+                      <a:tailEnd type="none" w="med" len="med"/>
+                    </a:lnR>
+                    <a:lnT w="12700" cap="flat" cmpd="sng" algn="ctr">
+                      <a:solidFill>
+                        <a:schemeClr val="tx1"/>
+                      </a:solidFill>
+                      <a:prstDash val="solid"/>
+                      <a:round/>
+                      <a:headEnd type="none" w="med" len="med"/>
+                      <a:tailEnd type="none" w="med" len="med"/>
+                    </a:lnT>
+                    <a:lnB w="12700" cap="flat" cmpd="sng" algn="ctr">
+                      <a:solidFill>
+                        <a:schemeClr val="tx1"/>
+                      </a:solidFill>
+                      <a:prstDash val="solid"/>
+                      <a:round/>
+                      <a:headEnd type="none" w="med" len="med"/>
+                      <a:tailEnd type="none" w="med" len="med"/>
+                    </a:lnB>
+                    <a:noFill/>
+                  </a:tcPr>
+                </a:tc>
+                <a:tc>
+                  <a:txBody>
+                    <a:bodyPr/>
+                    <a:lstStyle/>
+                    <a:p>
+                      <a:pPr latinLnBrk="1"/>
+                      <a:r>
+                        <a:rPr lang="en-US" altLang="ko-KR" sz="1000" b="1" dirty="0" smtClean="0">
+                          <a:solidFill>
+                            <a:schemeClr val="tx1"/>
+                          </a:solidFill>
+                          <a:latin typeface="+mn-ea"/>
+                          <a:ea typeface="+mn-ea"/>
+                        </a:rPr>
+                        <a:t>10</a:t>
+                      </a:r>
+                      <a:endParaRPr lang="ko-KR" altLang="en-US" sz="1000" b="1" dirty="0">
+                        <a:solidFill>
+                          <a:schemeClr val="tx1"/>
+                        </a:solidFill>
+                        <a:latin typeface="+mn-ea"/>
+                        <a:ea typeface="+mn-ea"/>
+                      </a:endParaRPr>
+                    </a:p>
+                  </a:txBody>
+                  <a:tcPr>
+                    <a:lnL w="12700" cap="flat" cmpd="sng" algn="ctr">
+                      <a:solidFill>
+                        <a:schemeClr val="tx1"/>
+                      </a:solidFill>
+                      <a:prstDash val="solid"/>
+                      <a:round/>
+                      <a:headEnd type="none" w="med" len="med"/>
+                      <a:tailEnd type="none" w="med" len="med"/>
+                    </a:lnL>
+                    <a:lnR w="12700" cap="flat" cmpd="sng" algn="ctr">
+                      <a:solidFill>
+                        <a:schemeClr val="tx1"/>
+                      </a:solidFill>
+                      <a:prstDash val="solid"/>
+                      <a:round/>
+                      <a:headEnd type="none" w="med" len="med"/>
+                      <a:tailEnd type="none" w="med" len="med"/>
+                    </a:lnR>
+                    <a:lnT w="12700" cap="flat" cmpd="sng" algn="ctr">
+                      <a:solidFill>
+                        <a:schemeClr val="tx1"/>
+                      </a:solidFill>
+                      <a:prstDash val="solid"/>
+                      <a:round/>
+                      <a:headEnd type="none" w="med" len="med"/>
+                      <a:tailEnd type="none" w="med" len="med"/>
+                    </a:lnT>
+                    <a:lnB w="12700" cap="flat" cmpd="sng" algn="ctr">
+                      <a:solidFill>
+                        <a:schemeClr val="tx1"/>
+                      </a:solidFill>
+                      <a:prstDash val="solid"/>
+                      <a:round/>
+                      <a:headEnd type="none" w="med" len="med"/>
+                      <a:tailEnd type="none" w="med" len="med"/>
+                    </a:lnB>
+                    <a:noFill/>
+                  </a:tcPr>
+                </a:tc>
+                <a:tc>
+                  <a:txBody>
+                    <a:bodyPr/>
+                    <a:lstStyle/>
+                    <a:p>
+                      <a:pPr latinLnBrk="1"/>
+                      <a:r>
+                        <a:rPr lang="en-US" altLang="ko-KR" sz="1000" b="1" dirty="0" smtClean="0">
+                          <a:solidFill>
+                            <a:schemeClr val="tx1"/>
+                          </a:solidFill>
+                          <a:latin typeface="+mn-ea"/>
+                          <a:ea typeface="+mn-ea"/>
+                        </a:rPr>
+                        <a:t>{</a:t>
+                      </a:r>
+                      <a:r>
+                        <a:rPr lang="en-US" altLang="ko-KR" sz="1000" b="1" dirty="0" smtClean="0">
+                          <a:solidFill>
+                            <a:schemeClr val="tx1"/>
+                          </a:solidFill>
+                          <a:latin typeface="+mn-ea"/>
+                          <a:ea typeface="+mn-ea"/>
+                        </a:rPr>
+                        <a:t>1,2,3,4,5,</a:t>
+                      </a:r>
+                      <a:r>
+                        <a:rPr lang="en-US" altLang="ko-KR" sz="1000" b="1" dirty="0" smtClean="0">
+                          <a:solidFill>
+                            <a:srgbClr val="FF0000"/>
+                          </a:solidFill>
+                          <a:latin typeface="+mn-ea"/>
+                          <a:ea typeface="+mn-ea"/>
+                        </a:rPr>
+                        <a:t>6</a:t>
+                      </a:r>
+                      <a:r>
+                        <a:rPr lang="en-US" altLang="ko-KR" sz="1000" b="1" dirty="0" smtClean="0">
+                          <a:solidFill>
+                            <a:schemeClr val="tx1"/>
+                          </a:solidFill>
+                          <a:latin typeface="+mn-ea"/>
+                          <a:ea typeface="+mn-ea"/>
+                        </a:rPr>
+                        <a:t>}</a:t>
+                      </a:r>
+                      <a:endParaRPr lang="ko-KR" altLang="en-US" sz="1000" b="1" dirty="0">
+                        <a:solidFill>
+                          <a:schemeClr val="tx1"/>
+                        </a:solidFill>
+                        <a:latin typeface="+mn-ea"/>
+                        <a:ea typeface="+mn-ea"/>
+                      </a:endParaRPr>
+                    </a:p>
+                  </a:txBody>
+                  <a:tcPr>
+                    <a:lnL w="12700" cap="flat" cmpd="sng" algn="ctr">
+                      <a:solidFill>
+                        <a:schemeClr val="tx1"/>
+                      </a:solidFill>
+                      <a:prstDash val="solid"/>
+                      <a:round/>
+                      <a:headEnd type="none" w="med" len="med"/>
+                      <a:tailEnd type="none" w="med" len="med"/>
+                    </a:lnL>
+                    <a:lnR w="12700" cap="flat" cmpd="sng" algn="ctr">
+                      <a:solidFill>
+                        <a:schemeClr val="tx1"/>
+                      </a:solidFill>
+                      <a:prstDash val="solid"/>
+                      <a:round/>
+                      <a:headEnd type="none" w="med" len="med"/>
+                      <a:tailEnd type="none" w="med" len="med"/>
+                    </a:lnR>
+                    <a:lnT w="12700" cap="flat" cmpd="sng" algn="ctr">
+                      <a:solidFill>
+                        <a:schemeClr val="tx1"/>
+                      </a:solidFill>
+                      <a:prstDash val="solid"/>
+                      <a:round/>
+                      <a:headEnd type="none" w="med" len="med"/>
+                      <a:tailEnd type="none" w="med" len="med"/>
+                    </a:lnT>
+                    <a:lnB w="12700" cap="flat" cmpd="sng" algn="ctr">
+                      <a:solidFill>
+                        <a:schemeClr val="tx1"/>
+                      </a:solidFill>
+                      <a:prstDash val="solid"/>
+                      <a:round/>
+                      <a:headEnd type="none" w="med" len="med"/>
+                      <a:tailEnd type="none" w="med" len="med"/>
+                    </a:lnB>
+                    <a:noFill/>
+                  </a:tcPr>
+                </a:tc>
+              </a:tr>
+              <a:tr h="225545">
+                <a:tc>
+                  <a:txBody>
+                    <a:bodyPr/>
+                    <a:lstStyle/>
+                    <a:p>
+                      <a:pPr latinLnBrk="1"/>
+                      <a:r>
+                        <a:rPr lang="en-US" altLang="ko-KR" sz="1000" b="1" dirty="0" smtClean="0">
+                          <a:solidFill>
+                            <a:schemeClr val="tx1"/>
+                          </a:solidFill>
+                          <a:latin typeface="+mn-ea"/>
+                          <a:ea typeface="+mn-ea"/>
+                        </a:rPr>
+                        <a:t>3</a:t>
+                      </a:r>
+                      <a:endParaRPr lang="ko-KR" altLang="en-US" sz="1000" b="1" dirty="0">
+                        <a:solidFill>
+                          <a:schemeClr val="tx1"/>
+                        </a:solidFill>
+                        <a:latin typeface="+mn-ea"/>
+                        <a:ea typeface="+mn-ea"/>
+                      </a:endParaRPr>
+                    </a:p>
+                  </a:txBody>
+                  <a:tcPr>
+                    <a:lnL w="12700" cap="flat" cmpd="sng" algn="ctr">
+                      <a:solidFill>
+                        <a:schemeClr val="tx1"/>
+                      </a:solidFill>
+                      <a:prstDash val="solid"/>
+                      <a:round/>
+                      <a:headEnd type="none" w="med" len="med"/>
+                      <a:tailEnd type="none" w="med" len="med"/>
+                    </a:lnL>
+                    <a:lnR w="12700" cap="flat" cmpd="sng" algn="ctr">
+                      <a:solidFill>
+                        <a:schemeClr val="tx1"/>
+                      </a:solidFill>
+                      <a:prstDash val="solid"/>
+                      <a:round/>
+                      <a:headEnd type="none" w="med" len="med"/>
+                      <a:tailEnd type="none" w="med" len="med"/>
+                    </a:lnR>
+                    <a:lnT w="12700" cap="flat" cmpd="sng" algn="ctr">
+                      <a:solidFill>
+                        <a:schemeClr val="tx1"/>
+                      </a:solidFill>
+                      <a:prstDash val="solid"/>
+                      <a:round/>
+                      <a:headEnd type="none" w="med" len="med"/>
+                      <a:tailEnd type="none" w="med" len="med"/>
+                    </a:lnT>
+                    <a:lnB w="12700" cap="flat" cmpd="sng" algn="ctr">
+                      <a:solidFill>
+                        <a:schemeClr val="tx1"/>
+                      </a:solidFill>
+                      <a:prstDash val="solid"/>
+                      <a:round/>
+                      <a:headEnd type="none" w="med" len="med"/>
+                      <a:tailEnd type="none" w="med" len="med"/>
+                    </a:lnB>
+                    <a:noFill/>
+                  </a:tcPr>
+                </a:tc>
+                <a:tc>
+                  <a:txBody>
+                    <a:bodyPr/>
+                    <a:lstStyle/>
+                    <a:p>
+                      <a:pPr latinLnBrk="1"/>
+                      <a:r>
+                        <a:rPr lang="en-US" altLang="ko-KR" sz="1000" b="1" dirty="0" smtClean="0">
+                          <a:solidFill>
+                            <a:schemeClr val="tx1"/>
+                          </a:solidFill>
+                          <a:latin typeface="+mn-ea"/>
+                          <a:ea typeface="+mn-ea"/>
+                        </a:rPr>
+                        <a:t>2</a:t>
+                      </a:r>
+                      <a:endParaRPr lang="ko-KR" altLang="en-US" sz="1000" b="1" dirty="0">
+                        <a:solidFill>
+                          <a:schemeClr val="tx1"/>
+                        </a:solidFill>
+                        <a:latin typeface="+mn-ea"/>
+                        <a:ea typeface="+mn-ea"/>
+                      </a:endParaRPr>
+                    </a:p>
+                  </a:txBody>
+                  <a:tcPr>
+                    <a:lnL w="12700" cap="flat" cmpd="sng" algn="ctr">
+                      <a:solidFill>
+                        <a:schemeClr val="tx1"/>
+                      </a:solidFill>
+                      <a:prstDash val="solid"/>
+                      <a:round/>
+                      <a:headEnd type="none" w="med" len="med"/>
+                      <a:tailEnd type="none" w="med" len="med"/>
+                    </a:lnL>
+                    <a:lnR w="12700" cap="flat" cmpd="sng" algn="ctr">
+                      <a:solidFill>
+                        <a:schemeClr val="tx1"/>
+                      </a:solidFill>
+                      <a:prstDash val="solid"/>
+                      <a:round/>
+                      <a:headEnd type="none" w="med" len="med"/>
+                      <a:tailEnd type="none" w="med" len="med"/>
+                    </a:lnR>
+                    <a:lnT w="12700" cap="flat" cmpd="sng" algn="ctr">
+                      <a:solidFill>
+                        <a:schemeClr val="tx1"/>
+                      </a:solidFill>
+                      <a:prstDash val="solid"/>
+                      <a:round/>
+                      <a:headEnd type="none" w="med" len="med"/>
+                      <a:tailEnd type="none" w="med" len="med"/>
+                    </a:lnT>
+                    <a:lnB w="12700" cap="flat" cmpd="sng" algn="ctr">
+                      <a:solidFill>
+                        <a:schemeClr val="tx1"/>
+                      </a:solidFill>
+                      <a:prstDash val="solid"/>
+                      <a:round/>
+                      <a:headEnd type="none" w="med" len="med"/>
+                      <a:tailEnd type="none" w="med" len="med"/>
+                    </a:lnB>
+                    <a:noFill/>
+                  </a:tcPr>
+                </a:tc>
+                <a:tc>
+                  <a:txBody>
+                    <a:bodyPr/>
+                    <a:lstStyle/>
+                    <a:p>
+                      <a:pPr latinLnBrk="1"/>
+                      <a:r>
+                        <a:rPr lang="en-US" altLang="ko-KR" sz="1000" b="1" dirty="0" smtClean="0">
+                          <a:solidFill>
+                            <a:schemeClr val="tx1"/>
+                          </a:solidFill>
+                          <a:latin typeface="+mn-ea"/>
+                          <a:ea typeface="+mn-ea"/>
+                        </a:rPr>
+                        <a:t>1</a:t>
+                      </a:r>
+                      <a:endParaRPr lang="ko-KR" altLang="en-US" sz="1000" b="1" dirty="0">
+                        <a:solidFill>
+                          <a:schemeClr val="tx1"/>
+                        </a:solidFill>
+                        <a:latin typeface="+mn-ea"/>
+                        <a:ea typeface="+mn-ea"/>
+                      </a:endParaRPr>
+                    </a:p>
+                  </a:txBody>
+                  <a:tcPr>
+                    <a:lnL w="12700" cap="flat" cmpd="sng" algn="ctr">
+                      <a:solidFill>
+                        <a:schemeClr val="tx1"/>
+                      </a:solidFill>
+                      <a:prstDash val="solid"/>
+                      <a:round/>
+                      <a:headEnd type="none" w="med" len="med"/>
+                      <a:tailEnd type="none" w="med" len="med"/>
+                    </a:lnL>
+                    <a:lnR w="12700" cap="flat" cmpd="sng" algn="ctr">
+                      <a:solidFill>
+                        <a:schemeClr val="tx1"/>
+                      </a:solidFill>
+                      <a:prstDash val="solid"/>
+                      <a:round/>
+                      <a:headEnd type="none" w="med" len="med"/>
+                      <a:tailEnd type="none" w="med" len="med"/>
+                    </a:lnR>
+                    <a:lnT w="12700" cap="flat" cmpd="sng" algn="ctr">
+                      <a:solidFill>
+                        <a:schemeClr val="tx1"/>
+                      </a:solidFill>
+                      <a:prstDash val="solid"/>
+                      <a:round/>
+                      <a:headEnd type="none" w="med" len="med"/>
+                      <a:tailEnd type="none" w="med" len="med"/>
+                    </a:lnT>
+                    <a:lnB w="12700" cap="flat" cmpd="sng" algn="ctr">
+                      <a:solidFill>
+                        <a:schemeClr val="tx1"/>
+                      </a:solidFill>
+                      <a:prstDash val="solid"/>
+                      <a:round/>
+                      <a:headEnd type="none" w="med" len="med"/>
+                      <a:tailEnd type="none" w="med" len="med"/>
+                    </a:lnB>
+                    <a:noFill/>
+                  </a:tcPr>
+                </a:tc>
+                <a:tc>
+                  <a:txBody>
+                    <a:bodyPr/>
+                    <a:lstStyle/>
+                    <a:p>
+                      <a:pPr latinLnBrk="1"/>
+                      <a:r>
+                        <a:rPr lang="en-US" altLang="ko-KR" sz="1000" b="1" dirty="0" smtClean="0">
+                          <a:solidFill>
+                            <a:srgbClr val="FF0000"/>
+                          </a:solidFill>
+                          <a:latin typeface="+mn-ea"/>
+                          <a:ea typeface="+mn-ea"/>
+                        </a:rPr>
+                        <a:t>8</a:t>
+                      </a:r>
+                      <a:endParaRPr lang="ko-KR" altLang="en-US" sz="1000" b="1" dirty="0">
+                        <a:solidFill>
+                          <a:srgbClr val="FF0000"/>
+                        </a:solidFill>
+                        <a:latin typeface="+mn-ea"/>
+                        <a:ea typeface="+mn-ea"/>
+                      </a:endParaRPr>
+                    </a:p>
+                  </a:txBody>
+                  <a:tcPr>
+                    <a:lnL w="12700" cap="flat" cmpd="sng" algn="ctr">
+                      <a:solidFill>
+                        <a:schemeClr val="tx1"/>
+                      </a:solidFill>
+                      <a:prstDash val="solid"/>
+                      <a:round/>
+                      <a:headEnd type="none" w="med" len="med"/>
+                      <a:tailEnd type="none" w="med" len="med"/>
+                    </a:lnL>
+                    <a:lnR w="12700" cap="flat" cmpd="sng" algn="ctr">
+                      <a:solidFill>
+                        <a:schemeClr val="tx1"/>
+                      </a:solidFill>
+                      <a:prstDash val="solid"/>
+                      <a:round/>
+                      <a:headEnd type="none" w="med" len="med"/>
+                      <a:tailEnd type="none" w="med" len="med"/>
+                    </a:lnR>
+                    <a:lnT w="12700" cap="flat" cmpd="sng" algn="ctr">
+                      <a:solidFill>
+                        <a:schemeClr val="tx1"/>
+                      </a:solidFill>
+                      <a:prstDash val="solid"/>
+                      <a:round/>
+                      <a:headEnd type="none" w="med" len="med"/>
+                      <a:tailEnd type="none" w="med" len="med"/>
+                    </a:lnT>
+                    <a:lnB w="12700" cap="flat" cmpd="sng" algn="ctr">
+                      <a:solidFill>
+                        <a:schemeClr val="tx1"/>
+                      </a:solidFill>
+                      <a:prstDash val="solid"/>
+                      <a:round/>
+                      <a:headEnd type="none" w="med" len="med"/>
+                      <a:tailEnd type="none" w="med" len="med"/>
+                    </a:lnB>
+                    <a:noFill/>
+                  </a:tcPr>
+                </a:tc>
+                <a:tc>
+                  <a:txBody>
+                    <a:bodyPr/>
+                    <a:lstStyle/>
+                    <a:p>
+                      <a:pPr latinLnBrk="1"/>
+                      <a:r>
+                        <a:rPr lang="en-US" altLang="ko-KR" sz="1000" b="1" dirty="0" smtClean="0">
+                          <a:solidFill>
+                            <a:schemeClr val="tx1"/>
+                          </a:solidFill>
+                          <a:latin typeface="+mn-ea"/>
+                          <a:ea typeface="+mn-ea"/>
+                        </a:rPr>
+                        <a:t>9</a:t>
+                      </a:r>
+                      <a:endParaRPr lang="ko-KR" altLang="en-US" sz="1000" b="1" dirty="0">
+                        <a:solidFill>
+                          <a:schemeClr val="tx1"/>
+                        </a:solidFill>
+                        <a:latin typeface="+mn-ea"/>
+                        <a:ea typeface="+mn-ea"/>
+                      </a:endParaRPr>
+                    </a:p>
+                  </a:txBody>
+                  <a:tcPr>
+                    <a:lnL w="12700" cap="flat" cmpd="sng" algn="ctr">
+                      <a:solidFill>
+                        <a:schemeClr val="tx1"/>
+                      </a:solidFill>
+                      <a:prstDash val="solid"/>
+                      <a:round/>
+                      <a:headEnd type="none" w="med" len="med"/>
+                      <a:tailEnd type="none" w="med" len="med"/>
+                    </a:lnL>
+                    <a:lnR w="12700" cap="flat" cmpd="sng" algn="ctr">
+                      <a:solidFill>
+                        <a:schemeClr val="tx1"/>
+                      </a:solidFill>
+                      <a:prstDash val="solid"/>
+                      <a:round/>
+                      <a:headEnd type="none" w="med" len="med"/>
+                      <a:tailEnd type="none" w="med" len="med"/>
+                    </a:lnR>
+                    <a:lnT w="12700" cap="flat" cmpd="sng" algn="ctr">
+                      <a:solidFill>
+                        <a:schemeClr val="tx1"/>
+                      </a:solidFill>
+                      <a:prstDash val="solid"/>
+                      <a:round/>
+                      <a:headEnd type="none" w="med" len="med"/>
+                      <a:tailEnd type="none" w="med" len="med"/>
+                    </a:lnT>
+                    <a:lnB w="12700" cap="flat" cmpd="sng" algn="ctr">
+                      <a:solidFill>
+                        <a:schemeClr val="tx1"/>
+                      </a:solidFill>
+                      <a:prstDash val="solid"/>
+                      <a:round/>
+                      <a:headEnd type="none" w="med" len="med"/>
+                      <a:tailEnd type="none" w="med" len="med"/>
+                    </a:lnB>
+                    <a:noFill/>
+                  </a:tcPr>
+                </a:tc>
+                <a:tc>
+                  <a:txBody>
+                    <a:bodyPr/>
+                    <a:lstStyle/>
+                    <a:p>
+                      <a:pPr latinLnBrk="1"/>
+                      <a:r>
+                        <a:rPr lang="en-US" altLang="ko-KR" sz="1000" b="1" dirty="0" smtClean="0">
+                          <a:solidFill>
+                            <a:schemeClr val="tx1"/>
+                          </a:solidFill>
+                          <a:latin typeface="+mn-ea"/>
+                          <a:ea typeface="+mn-ea"/>
+                        </a:rPr>
+                        <a:t>10</a:t>
+                      </a:r>
+                      <a:endParaRPr lang="ko-KR" altLang="en-US" sz="1000" b="1" dirty="0">
+                        <a:solidFill>
+                          <a:schemeClr val="tx1"/>
+                        </a:solidFill>
+                        <a:latin typeface="+mn-ea"/>
+                        <a:ea typeface="+mn-ea"/>
+                      </a:endParaRPr>
+                    </a:p>
+                  </a:txBody>
+                  <a:tcPr>
+                    <a:lnL w="12700" cap="flat" cmpd="sng" algn="ctr">
+                      <a:solidFill>
+                        <a:schemeClr val="tx1"/>
+                      </a:solidFill>
+                      <a:prstDash val="solid"/>
+                      <a:round/>
+                      <a:headEnd type="none" w="med" len="med"/>
+                      <a:tailEnd type="none" w="med" len="med"/>
+                    </a:lnL>
+                    <a:lnR w="12700" cap="flat" cmpd="sng" algn="ctr">
+                      <a:solidFill>
+                        <a:schemeClr val="tx1"/>
+                      </a:solidFill>
+                      <a:prstDash val="solid"/>
+                      <a:round/>
+                      <a:headEnd type="none" w="med" len="med"/>
+                      <a:tailEnd type="none" w="med" len="med"/>
+                    </a:lnR>
+                    <a:lnT w="12700" cap="flat" cmpd="sng" algn="ctr">
+                      <a:solidFill>
+                        <a:schemeClr val="tx1"/>
+                      </a:solidFill>
+                      <a:prstDash val="solid"/>
+                      <a:round/>
+                      <a:headEnd type="none" w="med" len="med"/>
+                      <a:tailEnd type="none" w="med" len="med"/>
+                    </a:lnT>
+                    <a:lnB w="12700" cap="flat" cmpd="sng" algn="ctr">
+                      <a:solidFill>
+                        <a:schemeClr val="tx1"/>
+                      </a:solidFill>
+                      <a:prstDash val="solid"/>
+                      <a:round/>
+                      <a:headEnd type="none" w="med" len="med"/>
+                      <a:tailEnd type="none" w="med" len="med"/>
+                    </a:lnB>
+                    <a:noFill/>
+                  </a:tcPr>
+                </a:tc>
+                <a:tc>
+                  <a:txBody>
+                    <a:bodyPr/>
+                    <a:lstStyle/>
+                    <a:p>
+                      <a:pPr latinLnBrk="1"/>
+                      <a:r>
+                        <a:rPr lang="en-US" altLang="ko-KR" sz="1000" b="1" dirty="0" smtClean="0">
+                          <a:solidFill>
+                            <a:schemeClr val="tx1"/>
+                          </a:solidFill>
+                          <a:latin typeface="+mn-ea"/>
+                          <a:ea typeface="+mn-ea"/>
+                        </a:rPr>
+                        <a:t>{</a:t>
+                      </a:r>
+                      <a:r>
+                        <a:rPr lang="en-US" altLang="ko-KR" sz="1000" b="1" dirty="0" smtClean="0">
+                          <a:solidFill>
+                            <a:schemeClr val="tx1"/>
+                          </a:solidFill>
+                          <a:latin typeface="+mn-ea"/>
+                          <a:ea typeface="+mn-ea"/>
+                        </a:rPr>
+                        <a:t>1,2,3,4,5,6,</a:t>
+                      </a:r>
+                      <a:r>
+                        <a:rPr lang="en-US" altLang="ko-KR" sz="1000" b="1" dirty="0" smtClean="0">
+                          <a:solidFill>
+                            <a:srgbClr val="FF0000"/>
+                          </a:solidFill>
+                          <a:latin typeface="+mn-ea"/>
+                          <a:ea typeface="+mn-ea"/>
+                        </a:rPr>
+                        <a:t>8</a:t>
+                      </a:r>
+                      <a:r>
+                        <a:rPr lang="en-US" altLang="ko-KR" sz="1000" b="1" dirty="0" smtClean="0">
+                          <a:solidFill>
+                            <a:schemeClr val="tx1"/>
+                          </a:solidFill>
+                          <a:latin typeface="+mn-ea"/>
+                          <a:ea typeface="+mn-ea"/>
+                        </a:rPr>
+                        <a:t>}</a:t>
+                      </a:r>
+                      <a:endParaRPr lang="ko-KR" altLang="en-US" sz="1000" b="1" dirty="0">
+                        <a:solidFill>
+                          <a:schemeClr val="tx1"/>
+                        </a:solidFill>
+                        <a:latin typeface="+mn-ea"/>
+                        <a:ea typeface="+mn-ea"/>
+                      </a:endParaRPr>
+                    </a:p>
+                  </a:txBody>
+                  <a:tcPr>
+                    <a:lnL w="12700" cap="flat" cmpd="sng" algn="ctr">
+                      <a:solidFill>
+                        <a:schemeClr val="tx1"/>
+                      </a:solidFill>
+                      <a:prstDash val="solid"/>
+                      <a:round/>
+                      <a:headEnd type="none" w="med" len="med"/>
+                      <a:tailEnd type="none" w="med" len="med"/>
+                    </a:lnL>
+                    <a:lnR w="12700" cap="flat" cmpd="sng" algn="ctr">
+                      <a:solidFill>
+                        <a:schemeClr val="tx1"/>
+                      </a:solidFill>
+                      <a:prstDash val="solid"/>
+                      <a:round/>
+                      <a:headEnd type="none" w="med" len="med"/>
+                      <a:tailEnd type="none" w="med" len="med"/>
+                    </a:lnR>
+                    <a:lnT w="12700" cap="flat" cmpd="sng" algn="ctr">
+                      <a:solidFill>
+                        <a:schemeClr val="tx1"/>
+                      </a:solidFill>
+                      <a:prstDash val="solid"/>
+                      <a:round/>
+                      <a:headEnd type="none" w="med" len="med"/>
+                      <a:tailEnd type="none" w="med" len="med"/>
+                    </a:lnT>
+                    <a:lnB w="12700" cap="flat" cmpd="sng" algn="ctr">
+                      <a:solidFill>
+                        <a:schemeClr val="tx1"/>
+                      </a:solidFill>
+                      <a:prstDash val="solid"/>
+                      <a:round/>
+                      <a:headEnd type="none" w="med" len="med"/>
+                      <a:tailEnd type="none" w="med" len="med"/>
+                    </a:lnB>
+                    <a:noFill/>
+                  </a:tcPr>
+                </a:tc>
+              </a:tr>
+              <a:tr h="225545">
+                <a:tc>
+                  <a:txBody>
+                    <a:bodyPr/>
+                    <a:lstStyle/>
+                    <a:p>
+                      <a:pPr latinLnBrk="1"/>
+                      <a:r>
+                        <a:rPr lang="en-US" altLang="ko-KR" sz="1000" b="1" dirty="0" smtClean="0">
+                          <a:solidFill>
+                            <a:schemeClr val="tx1"/>
+                          </a:solidFill>
+                          <a:latin typeface="+mn-ea"/>
+                          <a:ea typeface="+mn-ea"/>
+                        </a:rPr>
+                        <a:t>4</a:t>
+                      </a:r>
+                      <a:endParaRPr lang="ko-KR" altLang="en-US" sz="1000" b="1" dirty="0">
+                        <a:solidFill>
+                          <a:schemeClr val="tx1"/>
+                        </a:solidFill>
+                        <a:latin typeface="+mn-ea"/>
+                        <a:ea typeface="+mn-ea"/>
+                      </a:endParaRPr>
+                    </a:p>
+                  </a:txBody>
+                  <a:tcPr>
+                    <a:lnL w="12700" cap="flat" cmpd="sng" algn="ctr">
+                      <a:solidFill>
+                        <a:schemeClr val="tx1"/>
+                      </a:solidFill>
+                      <a:prstDash val="solid"/>
+                      <a:round/>
+                      <a:headEnd type="none" w="med" len="med"/>
+                      <a:tailEnd type="none" w="med" len="med"/>
+                    </a:lnL>
+                    <a:lnR w="12700" cap="flat" cmpd="sng" algn="ctr">
+                      <a:solidFill>
+                        <a:schemeClr val="tx1"/>
+                      </a:solidFill>
+                      <a:prstDash val="solid"/>
+                      <a:round/>
+                      <a:headEnd type="none" w="med" len="med"/>
+                      <a:tailEnd type="none" w="med" len="med"/>
+                    </a:lnR>
+                    <a:lnT w="12700" cap="flat" cmpd="sng" algn="ctr">
+                      <a:solidFill>
+                        <a:schemeClr val="tx1"/>
+                      </a:solidFill>
+                      <a:prstDash val="solid"/>
+                      <a:round/>
+                      <a:headEnd type="none" w="med" len="med"/>
+                      <a:tailEnd type="none" w="med" len="med"/>
+                    </a:lnT>
+                    <a:lnB w="12700" cap="flat" cmpd="sng" algn="ctr">
+                      <a:solidFill>
+                        <a:schemeClr val="tx1"/>
+                      </a:solidFill>
+                      <a:prstDash val="solid"/>
+                      <a:round/>
+                      <a:headEnd type="none" w="med" len="med"/>
+                      <a:tailEnd type="none" w="med" len="med"/>
+                    </a:lnB>
+                    <a:noFill/>
+                  </a:tcPr>
+                </a:tc>
+                <a:tc>
+                  <a:txBody>
+                    <a:bodyPr/>
+                    <a:lstStyle/>
+                    <a:p>
+                      <a:pPr latinLnBrk="1"/>
+                      <a:r>
+                        <a:rPr lang="en-US" altLang="ko-KR" sz="1000" b="1" dirty="0" smtClean="0">
+                          <a:solidFill>
+                            <a:schemeClr val="tx1"/>
+                          </a:solidFill>
+                          <a:latin typeface="+mn-ea"/>
+                          <a:ea typeface="+mn-ea"/>
+                        </a:rPr>
+                        <a:t>2</a:t>
+                      </a:r>
+                      <a:endParaRPr lang="ko-KR" altLang="en-US" sz="1000" b="1" dirty="0">
+                        <a:solidFill>
+                          <a:schemeClr val="tx1"/>
+                        </a:solidFill>
+                        <a:latin typeface="+mn-ea"/>
+                        <a:ea typeface="+mn-ea"/>
+                      </a:endParaRPr>
+                    </a:p>
+                  </a:txBody>
+                  <a:tcPr>
+                    <a:lnL w="12700" cap="flat" cmpd="sng" algn="ctr">
+                      <a:solidFill>
+                        <a:schemeClr val="tx1"/>
+                      </a:solidFill>
+                      <a:prstDash val="solid"/>
+                      <a:round/>
+                      <a:headEnd type="none" w="med" len="med"/>
+                      <a:tailEnd type="none" w="med" len="med"/>
+                    </a:lnL>
+                    <a:lnR w="12700" cap="flat" cmpd="sng" algn="ctr">
+                      <a:solidFill>
+                        <a:schemeClr val="tx1"/>
+                      </a:solidFill>
+                      <a:prstDash val="solid"/>
+                      <a:round/>
+                      <a:headEnd type="none" w="med" len="med"/>
+                      <a:tailEnd type="none" w="med" len="med"/>
+                    </a:lnR>
+                    <a:lnT w="12700" cap="flat" cmpd="sng" algn="ctr">
+                      <a:solidFill>
+                        <a:schemeClr val="tx1"/>
+                      </a:solidFill>
+                      <a:prstDash val="solid"/>
+                      <a:round/>
+                      <a:headEnd type="none" w="med" len="med"/>
+                      <a:tailEnd type="none" w="med" len="med"/>
+                    </a:lnT>
+                    <a:lnB w="12700" cap="flat" cmpd="sng" algn="ctr">
+                      <a:solidFill>
+                        <a:schemeClr val="tx1"/>
+                      </a:solidFill>
+                      <a:prstDash val="solid"/>
+                      <a:round/>
+                      <a:headEnd type="none" w="med" len="med"/>
+                      <a:tailEnd type="none" w="med" len="med"/>
+                    </a:lnB>
+                    <a:noFill/>
+                  </a:tcPr>
+                </a:tc>
+                <a:tc>
+                  <a:txBody>
+                    <a:bodyPr/>
+                    <a:lstStyle/>
+                    <a:p>
+                      <a:pPr latinLnBrk="1"/>
+                      <a:r>
+                        <a:rPr lang="en-US" altLang="ko-KR" sz="1000" b="1" dirty="0" smtClean="0">
+                          <a:solidFill>
+                            <a:schemeClr val="tx1"/>
+                          </a:solidFill>
+                          <a:latin typeface="+mn-ea"/>
+                          <a:ea typeface="+mn-ea"/>
+                        </a:rPr>
+                        <a:t>1</a:t>
+                      </a:r>
+                      <a:endParaRPr lang="ko-KR" altLang="en-US" sz="1000" b="1" dirty="0">
+                        <a:solidFill>
+                          <a:schemeClr val="tx1"/>
+                        </a:solidFill>
+                        <a:latin typeface="+mn-ea"/>
+                        <a:ea typeface="+mn-ea"/>
+                      </a:endParaRPr>
+                    </a:p>
+                  </a:txBody>
+                  <a:tcPr>
+                    <a:lnL w="12700" cap="flat" cmpd="sng" algn="ctr">
+                      <a:solidFill>
+                        <a:schemeClr val="tx1"/>
+                      </a:solidFill>
+                      <a:prstDash val="solid"/>
+                      <a:round/>
+                      <a:headEnd type="none" w="med" len="med"/>
+                      <a:tailEnd type="none" w="med" len="med"/>
+                    </a:lnL>
+                    <a:lnR w="12700" cap="flat" cmpd="sng" algn="ctr">
+                      <a:solidFill>
+                        <a:schemeClr val="tx1"/>
+                      </a:solidFill>
+                      <a:prstDash val="solid"/>
+                      <a:round/>
+                      <a:headEnd type="none" w="med" len="med"/>
+                      <a:tailEnd type="none" w="med" len="med"/>
+                    </a:lnR>
+                    <a:lnT w="12700" cap="flat" cmpd="sng" algn="ctr">
+                      <a:solidFill>
+                        <a:schemeClr val="tx1"/>
+                      </a:solidFill>
+                      <a:prstDash val="solid"/>
+                      <a:round/>
+                      <a:headEnd type="none" w="med" len="med"/>
+                      <a:tailEnd type="none" w="med" len="med"/>
+                    </a:lnT>
+                    <a:lnB w="12700" cap="flat" cmpd="sng" algn="ctr">
+                      <a:solidFill>
+                        <a:schemeClr val="tx1"/>
+                      </a:solidFill>
+                      <a:prstDash val="solid"/>
+                      <a:round/>
+                      <a:headEnd type="none" w="med" len="med"/>
+                      <a:tailEnd type="none" w="med" len="med"/>
+                    </a:lnB>
+                    <a:noFill/>
+                  </a:tcPr>
+                </a:tc>
+                <a:tc>
+                  <a:txBody>
+                    <a:bodyPr/>
+                    <a:lstStyle/>
+                    <a:p>
+                      <a:pPr latinLnBrk="1"/>
+                      <a:r>
+                        <a:rPr lang="en-US" altLang="ko-KR" sz="1000" b="1" dirty="0" smtClean="0">
+                          <a:solidFill>
+                            <a:schemeClr val="tx1"/>
+                          </a:solidFill>
+                          <a:latin typeface="+mn-ea"/>
+                          <a:ea typeface="+mn-ea"/>
+                        </a:rPr>
+                        <a:t>10</a:t>
+                      </a:r>
+                      <a:endParaRPr lang="ko-KR" altLang="en-US" sz="1000" b="1" dirty="0">
+                        <a:solidFill>
+                          <a:schemeClr val="tx1"/>
+                        </a:solidFill>
+                        <a:latin typeface="+mn-ea"/>
+                        <a:ea typeface="+mn-ea"/>
+                      </a:endParaRPr>
+                    </a:p>
+                  </a:txBody>
+                  <a:tcPr>
+                    <a:lnL w="12700" cap="flat" cmpd="sng" algn="ctr">
+                      <a:solidFill>
+                        <a:schemeClr val="tx1"/>
+                      </a:solidFill>
+                      <a:prstDash val="solid"/>
+                      <a:round/>
+                      <a:headEnd type="none" w="med" len="med"/>
+                      <a:tailEnd type="none" w="med" len="med"/>
+                    </a:lnL>
+                    <a:lnR w="12700" cap="flat" cmpd="sng" algn="ctr">
+                      <a:solidFill>
+                        <a:schemeClr val="tx1"/>
+                      </a:solidFill>
+                      <a:prstDash val="solid"/>
+                      <a:round/>
+                      <a:headEnd type="none" w="med" len="med"/>
+                      <a:tailEnd type="none" w="med" len="med"/>
+                    </a:lnR>
+                    <a:lnT w="12700" cap="flat" cmpd="sng" algn="ctr">
+                      <a:solidFill>
+                        <a:schemeClr val="tx1"/>
+                      </a:solidFill>
+                      <a:prstDash val="solid"/>
+                      <a:round/>
+                      <a:headEnd type="none" w="med" len="med"/>
+                      <a:tailEnd type="none" w="med" len="med"/>
+                    </a:lnT>
+                    <a:lnB w="12700" cap="flat" cmpd="sng" algn="ctr">
+                      <a:solidFill>
+                        <a:schemeClr val="tx1"/>
+                      </a:solidFill>
+                      <a:prstDash val="solid"/>
+                      <a:round/>
+                      <a:headEnd type="none" w="med" len="med"/>
+                      <a:tailEnd type="none" w="med" len="med"/>
+                    </a:lnB>
+                    <a:noFill/>
+                  </a:tcPr>
+                </a:tc>
+                <a:tc>
+                  <a:txBody>
+                    <a:bodyPr/>
+                    <a:lstStyle/>
+                    <a:p>
+                      <a:pPr latinLnBrk="1"/>
+                      <a:r>
+                        <a:rPr lang="en-US" altLang="ko-KR" sz="1000" b="1" dirty="0" smtClean="0">
+                          <a:solidFill>
+                            <a:srgbClr val="FF0000"/>
+                          </a:solidFill>
+                          <a:latin typeface="+mn-ea"/>
+                          <a:ea typeface="+mn-ea"/>
+                        </a:rPr>
+                        <a:t>9</a:t>
+                      </a:r>
+                      <a:endParaRPr lang="ko-KR" altLang="en-US" sz="1000" b="1" dirty="0">
+                        <a:solidFill>
+                          <a:srgbClr val="FF0000"/>
+                        </a:solidFill>
+                        <a:latin typeface="+mn-ea"/>
+                        <a:ea typeface="+mn-ea"/>
+                      </a:endParaRPr>
+                    </a:p>
+                  </a:txBody>
+                  <a:tcPr>
+                    <a:lnL w="12700" cap="flat" cmpd="sng" algn="ctr">
+                      <a:solidFill>
+                        <a:schemeClr val="tx1"/>
+                      </a:solidFill>
+                      <a:prstDash val="solid"/>
+                      <a:round/>
+                      <a:headEnd type="none" w="med" len="med"/>
+                      <a:tailEnd type="none" w="med" len="med"/>
+                    </a:lnL>
+                    <a:lnR w="12700" cap="flat" cmpd="sng" algn="ctr">
+                      <a:solidFill>
+                        <a:schemeClr val="tx1"/>
+                      </a:solidFill>
+                      <a:prstDash val="solid"/>
+                      <a:round/>
+                      <a:headEnd type="none" w="med" len="med"/>
+                      <a:tailEnd type="none" w="med" len="med"/>
+                    </a:lnR>
+                    <a:lnT w="12700" cap="flat" cmpd="sng" algn="ctr">
+                      <a:solidFill>
+                        <a:schemeClr val="tx1"/>
+                      </a:solidFill>
+                      <a:prstDash val="solid"/>
+                      <a:round/>
+                      <a:headEnd type="none" w="med" len="med"/>
+                      <a:tailEnd type="none" w="med" len="med"/>
+                    </a:lnT>
+                    <a:lnB w="12700" cap="flat" cmpd="sng" algn="ctr">
+                      <a:solidFill>
+                        <a:schemeClr val="tx1"/>
+                      </a:solidFill>
+                      <a:prstDash val="solid"/>
+                      <a:round/>
+                      <a:headEnd type="none" w="med" len="med"/>
+                      <a:tailEnd type="none" w="med" len="med"/>
+                    </a:lnB>
+                    <a:noFill/>
+                  </a:tcPr>
+                </a:tc>
+                <a:tc>
+                  <a:txBody>
+                    <a:bodyPr/>
+                    <a:lstStyle/>
+                    <a:p>
+                      <a:pPr latinLnBrk="1"/>
+                      <a:r>
+                        <a:rPr lang="en-US" altLang="ko-KR" sz="1000" b="1" dirty="0" smtClean="0">
+                          <a:solidFill>
+                            <a:schemeClr val="tx1"/>
+                          </a:solidFill>
+                          <a:latin typeface="+mn-ea"/>
+                          <a:ea typeface="+mn-ea"/>
+                        </a:rPr>
+                        <a:t>10</a:t>
+                      </a:r>
+                      <a:endParaRPr lang="ko-KR" altLang="en-US" sz="1000" b="1" dirty="0">
+                        <a:solidFill>
+                          <a:schemeClr val="tx1"/>
+                        </a:solidFill>
+                        <a:latin typeface="+mn-ea"/>
+                        <a:ea typeface="+mn-ea"/>
+                      </a:endParaRPr>
+                    </a:p>
+                  </a:txBody>
+                  <a:tcPr>
+                    <a:lnL w="12700" cap="flat" cmpd="sng" algn="ctr">
+                      <a:solidFill>
+                        <a:schemeClr val="tx1"/>
+                      </a:solidFill>
+                      <a:prstDash val="solid"/>
+                      <a:round/>
+                      <a:headEnd type="none" w="med" len="med"/>
+                      <a:tailEnd type="none" w="med" len="med"/>
+                    </a:lnL>
+                    <a:lnR w="12700" cap="flat" cmpd="sng" algn="ctr">
+                      <a:solidFill>
+                        <a:schemeClr val="tx1"/>
+                      </a:solidFill>
+                      <a:prstDash val="solid"/>
+                      <a:round/>
+                      <a:headEnd type="none" w="med" len="med"/>
+                      <a:tailEnd type="none" w="med" len="med"/>
+                    </a:lnR>
+                    <a:lnT w="12700" cap="flat" cmpd="sng" algn="ctr">
+                      <a:solidFill>
+                        <a:schemeClr val="tx1"/>
+                      </a:solidFill>
+                      <a:prstDash val="solid"/>
+                      <a:round/>
+                      <a:headEnd type="none" w="med" len="med"/>
+                      <a:tailEnd type="none" w="med" len="med"/>
+                    </a:lnT>
+                    <a:lnB w="12700" cap="flat" cmpd="sng" algn="ctr">
+                      <a:solidFill>
+                        <a:schemeClr val="tx1"/>
+                      </a:solidFill>
+                      <a:prstDash val="solid"/>
+                      <a:round/>
+                      <a:headEnd type="none" w="med" len="med"/>
+                      <a:tailEnd type="none" w="med" len="med"/>
+                    </a:lnB>
+                    <a:noFill/>
+                  </a:tcPr>
+                </a:tc>
+                <a:tc>
+                  <a:txBody>
+                    <a:bodyPr/>
+                    <a:lstStyle/>
+                    <a:p>
+                      <a:pPr latinLnBrk="1"/>
+                      <a:r>
+                        <a:rPr lang="en-US" altLang="ko-KR" sz="1000" b="1" dirty="0" smtClean="0">
+                          <a:solidFill>
+                            <a:schemeClr val="tx1"/>
+                          </a:solidFill>
+                          <a:latin typeface="+mn-ea"/>
+                          <a:ea typeface="+mn-ea"/>
+                        </a:rPr>
+                        <a:t>{</a:t>
+                      </a:r>
+                      <a:r>
+                        <a:rPr lang="en-US" altLang="ko-KR" sz="1000" b="1" dirty="0" smtClean="0">
+                          <a:solidFill>
+                            <a:schemeClr val="tx1"/>
+                          </a:solidFill>
+                          <a:latin typeface="+mn-ea"/>
+                          <a:ea typeface="+mn-ea"/>
+                        </a:rPr>
+                        <a:t>1,2,3,4,5,6,8,</a:t>
+                      </a:r>
+                      <a:r>
+                        <a:rPr lang="en-US" altLang="ko-KR" sz="1000" b="1" dirty="0" smtClean="0">
+                          <a:solidFill>
+                            <a:srgbClr val="FF0000"/>
+                          </a:solidFill>
+                          <a:latin typeface="+mn-ea"/>
+                          <a:ea typeface="+mn-ea"/>
+                        </a:rPr>
+                        <a:t>9</a:t>
+                      </a:r>
+                      <a:r>
+                        <a:rPr lang="en-US" altLang="ko-KR" sz="1000" b="1" dirty="0" smtClean="0">
+                          <a:solidFill>
+                            <a:schemeClr val="tx1"/>
+                          </a:solidFill>
+                          <a:latin typeface="+mn-ea"/>
+                          <a:ea typeface="+mn-ea"/>
+                        </a:rPr>
+                        <a:t>}</a:t>
+                      </a:r>
+                      <a:endParaRPr lang="ko-KR" altLang="en-US" sz="1000" b="1" dirty="0">
+                        <a:solidFill>
+                          <a:schemeClr val="tx1"/>
+                        </a:solidFill>
+                        <a:latin typeface="+mn-ea"/>
+                        <a:ea typeface="+mn-ea"/>
+                      </a:endParaRPr>
+                    </a:p>
+                  </a:txBody>
+                  <a:tcPr>
+                    <a:lnL w="12700" cap="flat" cmpd="sng" algn="ctr">
+                      <a:solidFill>
+                        <a:schemeClr val="tx1"/>
+                      </a:solidFill>
+                      <a:prstDash val="solid"/>
+                      <a:round/>
+                      <a:headEnd type="none" w="med" len="med"/>
+                      <a:tailEnd type="none" w="med" len="med"/>
+                    </a:lnL>
+                    <a:lnR w="12700" cap="flat" cmpd="sng" algn="ctr">
+                      <a:solidFill>
+                        <a:schemeClr val="tx1"/>
+                      </a:solidFill>
+                      <a:prstDash val="solid"/>
+                      <a:round/>
+                      <a:headEnd type="none" w="med" len="med"/>
+                      <a:tailEnd type="none" w="med" len="med"/>
+                    </a:lnR>
+                    <a:lnT w="12700" cap="flat" cmpd="sng" algn="ctr">
+                      <a:solidFill>
+                        <a:schemeClr val="tx1"/>
+                      </a:solidFill>
+                      <a:prstDash val="solid"/>
+                      <a:round/>
+                      <a:headEnd type="none" w="med" len="med"/>
+                      <a:tailEnd type="none" w="med" len="med"/>
+                    </a:lnT>
+                    <a:lnB w="12700" cap="flat" cmpd="sng" algn="ctr">
+                      <a:solidFill>
+                        <a:schemeClr val="tx1"/>
+                      </a:solidFill>
+                      <a:prstDash val="solid"/>
+                      <a:round/>
+                      <a:headEnd type="none" w="med" len="med"/>
+                      <a:tailEnd type="none" w="med" len="med"/>
+                    </a:lnB>
+                    <a:noFill/>
+                  </a:tcPr>
+                </a:tc>
+              </a:tr>
+              <a:tr h="225545">
+                <a:tc>
+                  <a:txBody>
+                    <a:bodyPr/>
+                    <a:lstStyle/>
+                    <a:p>
+                      <a:pPr latinLnBrk="1"/>
+                      <a:r>
+                        <a:rPr lang="en-US" altLang="ko-KR" sz="1000" b="1" dirty="0" smtClean="0">
+                          <a:solidFill>
+                            <a:schemeClr val="tx1"/>
+                          </a:solidFill>
+                          <a:latin typeface="+mn-ea"/>
+                          <a:ea typeface="+mn-ea"/>
+                        </a:rPr>
+                        <a:t>4</a:t>
+                      </a:r>
+                      <a:endParaRPr lang="ko-KR" altLang="en-US" sz="1000" b="1" dirty="0">
+                        <a:solidFill>
+                          <a:schemeClr val="tx1"/>
+                        </a:solidFill>
+                        <a:latin typeface="+mn-ea"/>
+                        <a:ea typeface="+mn-ea"/>
+                      </a:endParaRPr>
+                    </a:p>
+                  </a:txBody>
+                  <a:tcPr>
+                    <a:lnL w="12700" cap="flat" cmpd="sng" algn="ctr">
+                      <a:solidFill>
+                        <a:schemeClr val="tx1"/>
+                      </a:solidFill>
+                      <a:prstDash val="solid"/>
+                      <a:round/>
+                      <a:headEnd type="none" w="med" len="med"/>
+                      <a:tailEnd type="none" w="med" len="med"/>
+                    </a:lnL>
+                    <a:lnR w="12700" cap="flat" cmpd="sng" algn="ctr">
+                      <a:solidFill>
+                        <a:schemeClr val="tx1"/>
+                      </a:solidFill>
+                      <a:prstDash val="solid"/>
+                      <a:round/>
+                      <a:headEnd type="none" w="med" len="med"/>
+                      <a:tailEnd type="none" w="med" len="med"/>
+                    </a:lnR>
+                    <a:lnT w="12700" cap="flat" cmpd="sng" algn="ctr">
+                      <a:solidFill>
+                        <a:schemeClr val="tx1"/>
+                      </a:solidFill>
+                      <a:prstDash val="solid"/>
+                      <a:round/>
+                      <a:headEnd type="none" w="med" len="med"/>
+                      <a:tailEnd type="none" w="med" len="med"/>
+                    </a:lnT>
+                    <a:lnB w="12700" cap="flat" cmpd="sng" algn="ctr">
+                      <a:solidFill>
+                        <a:schemeClr val="tx1"/>
+                      </a:solidFill>
+                      <a:prstDash val="solid"/>
+                      <a:round/>
+                      <a:headEnd type="none" w="med" len="med"/>
+                      <a:tailEnd type="none" w="med" len="med"/>
+                    </a:lnB>
+                    <a:noFill/>
+                  </a:tcPr>
+                </a:tc>
+                <a:tc>
+                  <a:txBody>
+                    <a:bodyPr/>
+                    <a:lstStyle/>
+                    <a:p>
+                      <a:pPr latinLnBrk="1"/>
+                      <a:r>
+                        <a:rPr lang="en-US" altLang="ko-KR" sz="1000" b="1" dirty="0" smtClean="0">
+                          <a:solidFill>
+                            <a:schemeClr val="tx1"/>
+                          </a:solidFill>
+                          <a:latin typeface="+mn-ea"/>
+                          <a:ea typeface="+mn-ea"/>
+                        </a:rPr>
+                        <a:t>3</a:t>
+                      </a:r>
+                      <a:endParaRPr lang="ko-KR" altLang="en-US" sz="1000" b="1" dirty="0">
+                        <a:solidFill>
+                          <a:schemeClr val="tx1"/>
+                        </a:solidFill>
+                        <a:latin typeface="+mn-ea"/>
+                        <a:ea typeface="+mn-ea"/>
+                      </a:endParaRPr>
+                    </a:p>
+                  </a:txBody>
+                  <a:tcPr>
+                    <a:lnL w="12700" cap="flat" cmpd="sng" algn="ctr">
+                      <a:solidFill>
+                        <a:schemeClr val="tx1"/>
+                      </a:solidFill>
+                      <a:prstDash val="solid"/>
+                      <a:round/>
+                      <a:headEnd type="none" w="med" len="med"/>
+                      <a:tailEnd type="none" w="med" len="med"/>
+                    </a:lnL>
+                    <a:lnR w="12700" cap="flat" cmpd="sng" algn="ctr">
+                      <a:solidFill>
+                        <a:schemeClr val="tx1"/>
+                      </a:solidFill>
+                      <a:prstDash val="solid"/>
+                      <a:round/>
+                      <a:headEnd type="none" w="med" len="med"/>
+                      <a:tailEnd type="none" w="med" len="med"/>
+                    </a:lnR>
+                    <a:lnT w="12700" cap="flat" cmpd="sng" algn="ctr">
+                      <a:solidFill>
+                        <a:schemeClr val="tx1"/>
+                      </a:solidFill>
+                      <a:prstDash val="solid"/>
+                      <a:round/>
+                      <a:headEnd type="none" w="med" len="med"/>
+                      <a:tailEnd type="none" w="med" len="med"/>
+                    </a:lnT>
+                    <a:lnB w="12700" cap="flat" cmpd="sng" algn="ctr">
+                      <a:solidFill>
+                        <a:schemeClr val="tx1"/>
+                      </a:solidFill>
+                      <a:prstDash val="solid"/>
+                      <a:round/>
+                      <a:headEnd type="none" w="med" len="med"/>
+                      <a:tailEnd type="none" w="med" len="med"/>
+                    </a:lnB>
+                    <a:noFill/>
+                  </a:tcPr>
+                </a:tc>
+                <a:tc>
+                  <a:txBody>
+                    <a:bodyPr/>
+                    <a:lstStyle/>
+                    <a:p>
+                      <a:pPr latinLnBrk="1"/>
+                      <a:r>
+                        <a:rPr lang="en-US" altLang="ko-KR" sz="1000" b="1" dirty="0" smtClean="0">
+                          <a:solidFill>
+                            <a:schemeClr val="tx1"/>
+                          </a:solidFill>
+                          <a:latin typeface="+mn-ea"/>
+                          <a:ea typeface="+mn-ea"/>
+                        </a:rPr>
+                        <a:t>1</a:t>
+                      </a:r>
+                      <a:endParaRPr lang="ko-KR" altLang="en-US" sz="1000" b="1" dirty="0">
+                        <a:solidFill>
+                          <a:schemeClr val="tx1"/>
+                        </a:solidFill>
+                        <a:latin typeface="+mn-ea"/>
+                        <a:ea typeface="+mn-ea"/>
+                      </a:endParaRPr>
+                    </a:p>
+                  </a:txBody>
+                  <a:tcPr>
+                    <a:lnL w="12700" cap="flat" cmpd="sng" algn="ctr">
+                      <a:solidFill>
+                        <a:schemeClr val="tx1"/>
+                      </a:solidFill>
+                      <a:prstDash val="solid"/>
+                      <a:round/>
+                      <a:headEnd type="none" w="med" len="med"/>
+                      <a:tailEnd type="none" w="med" len="med"/>
+                    </a:lnL>
+                    <a:lnR w="12700" cap="flat" cmpd="sng" algn="ctr">
+                      <a:solidFill>
+                        <a:schemeClr val="tx1"/>
+                      </a:solidFill>
+                      <a:prstDash val="solid"/>
+                      <a:round/>
+                      <a:headEnd type="none" w="med" len="med"/>
+                      <a:tailEnd type="none" w="med" len="med"/>
+                    </a:lnR>
+                    <a:lnT w="12700" cap="flat" cmpd="sng" algn="ctr">
+                      <a:solidFill>
+                        <a:schemeClr val="tx1"/>
+                      </a:solidFill>
+                      <a:prstDash val="solid"/>
+                      <a:round/>
+                      <a:headEnd type="none" w="med" len="med"/>
+                      <a:tailEnd type="none" w="med" len="med"/>
+                    </a:lnT>
+                    <a:lnB w="12700" cap="flat" cmpd="sng" algn="ctr">
+                      <a:solidFill>
+                        <a:schemeClr val="tx1"/>
+                      </a:solidFill>
+                      <a:prstDash val="solid"/>
+                      <a:round/>
+                      <a:headEnd type="none" w="med" len="med"/>
+                      <a:tailEnd type="none" w="med" len="med"/>
+                    </a:lnB>
+                    <a:noFill/>
+                  </a:tcPr>
+                </a:tc>
+                <a:tc>
+                  <a:txBody>
+                    <a:bodyPr/>
+                    <a:lstStyle/>
+                    <a:p>
+                      <a:pPr latinLnBrk="1"/>
+                      <a:r>
+                        <a:rPr lang="en-US" altLang="ko-KR" sz="1000" b="1" dirty="0" smtClean="0">
+                          <a:solidFill>
+                            <a:srgbClr val="FF0000"/>
+                          </a:solidFill>
+                          <a:latin typeface="+mn-ea"/>
+                          <a:ea typeface="+mn-ea"/>
+                        </a:rPr>
+                        <a:t>10</a:t>
+                      </a:r>
+                      <a:endParaRPr lang="ko-KR" altLang="en-US" sz="1000" b="1" dirty="0">
+                        <a:solidFill>
+                          <a:srgbClr val="FF0000"/>
+                        </a:solidFill>
+                        <a:latin typeface="+mn-ea"/>
+                        <a:ea typeface="+mn-ea"/>
+                      </a:endParaRPr>
+                    </a:p>
+                  </a:txBody>
+                  <a:tcPr>
+                    <a:lnL w="12700" cap="flat" cmpd="sng" algn="ctr">
+                      <a:solidFill>
+                        <a:schemeClr val="tx1"/>
+                      </a:solidFill>
+                      <a:prstDash val="solid"/>
+                      <a:round/>
+                      <a:headEnd type="none" w="med" len="med"/>
+                      <a:tailEnd type="none" w="med" len="med"/>
+                    </a:lnL>
+                    <a:lnR w="12700" cap="flat" cmpd="sng" algn="ctr">
+                      <a:solidFill>
+                        <a:schemeClr val="tx1"/>
+                      </a:solidFill>
+                      <a:prstDash val="solid"/>
+                      <a:round/>
+                      <a:headEnd type="none" w="med" len="med"/>
+                      <a:tailEnd type="none" w="med" len="med"/>
+                    </a:lnR>
+                    <a:lnT w="12700" cap="flat" cmpd="sng" algn="ctr">
+                      <a:solidFill>
+                        <a:schemeClr val="tx1"/>
+                      </a:solidFill>
+                      <a:prstDash val="solid"/>
+                      <a:round/>
+                      <a:headEnd type="none" w="med" len="med"/>
+                      <a:tailEnd type="none" w="med" len="med"/>
+                    </a:lnT>
+                    <a:lnB w="12700" cap="flat" cmpd="sng" algn="ctr">
+                      <a:solidFill>
+                        <a:schemeClr val="tx1"/>
+                      </a:solidFill>
+                      <a:prstDash val="solid"/>
+                      <a:round/>
+                      <a:headEnd type="none" w="med" len="med"/>
+                      <a:tailEnd type="none" w="med" len="med"/>
+                    </a:lnB>
+                    <a:noFill/>
+                  </a:tcPr>
+                </a:tc>
+                <a:tc>
+                  <a:txBody>
+                    <a:bodyPr/>
+                    <a:lstStyle/>
+                    <a:p>
+                      <a:pPr latinLnBrk="1"/>
+                      <a:r>
+                        <a:rPr lang="en-US" altLang="ko-KR" sz="1000" b="1" dirty="0" smtClean="0">
+                          <a:solidFill>
+                            <a:schemeClr val="tx1"/>
+                          </a:solidFill>
+                          <a:latin typeface="+mn-ea"/>
+                          <a:ea typeface="+mn-ea"/>
+                        </a:rPr>
+                        <a:t>12</a:t>
+                      </a:r>
+                      <a:endParaRPr lang="ko-KR" altLang="en-US" sz="1000" b="1" dirty="0">
+                        <a:solidFill>
+                          <a:schemeClr val="tx1"/>
+                        </a:solidFill>
+                        <a:latin typeface="+mn-ea"/>
+                        <a:ea typeface="+mn-ea"/>
+                      </a:endParaRPr>
+                    </a:p>
+                  </a:txBody>
+                  <a:tcPr>
+                    <a:lnL w="12700" cap="flat" cmpd="sng" algn="ctr">
+                      <a:solidFill>
+                        <a:schemeClr val="tx1"/>
+                      </a:solidFill>
+                      <a:prstDash val="solid"/>
+                      <a:round/>
+                      <a:headEnd type="none" w="med" len="med"/>
+                      <a:tailEnd type="none" w="med" len="med"/>
+                    </a:lnL>
+                    <a:lnR w="12700" cap="flat" cmpd="sng" algn="ctr">
+                      <a:solidFill>
+                        <a:schemeClr val="tx1"/>
+                      </a:solidFill>
+                      <a:prstDash val="solid"/>
+                      <a:round/>
+                      <a:headEnd type="none" w="med" len="med"/>
+                      <a:tailEnd type="none" w="med" len="med"/>
+                    </a:lnR>
+                    <a:lnT w="12700" cap="flat" cmpd="sng" algn="ctr">
+                      <a:solidFill>
+                        <a:schemeClr val="tx1"/>
+                      </a:solidFill>
+                      <a:prstDash val="solid"/>
+                      <a:round/>
+                      <a:headEnd type="none" w="med" len="med"/>
+                      <a:tailEnd type="none" w="med" len="med"/>
+                    </a:lnT>
+                    <a:lnB w="12700" cap="flat" cmpd="sng" algn="ctr">
+                      <a:solidFill>
+                        <a:schemeClr val="tx1"/>
+                      </a:solidFill>
+                      <a:prstDash val="solid"/>
+                      <a:round/>
+                      <a:headEnd type="none" w="med" len="med"/>
+                      <a:tailEnd type="none" w="med" len="med"/>
+                    </a:lnB>
+                    <a:noFill/>
+                  </a:tcPr>
+                </a:tc>
+                <a:tc>
+                  <a:txBody>
+                    <a:bodyPr/>
+                    <a:lstStyle/>
+                    <a:p>
+                      <a:pPr latinLnBrk="1"/>
+                      <a:r>
+                        <a:rPr lang="en-US" altLang="ko-KR" sz="1000" b="1" dirty="0" smtClean="0">
+                          <a:solidFill>
+                            <a:srgbClr val="FF0000"/>
+                          </a:solidFill>
+                          <a:latin typeface="+mn-ea"/>
+                          <a:ea typeface="+mn-ea"/>
+                        </a:rPr>
+                        <a:t>10</a:t>
+                      </a:r>
+                      <a:endParaRPr lang="ko-KR" altLang="en-US" sz="1000" b="1" dirty="0">
+                        <a:solidFill>
+                          <a:srgbClr val="FF0000"/>
+                        </a:solidFill>
+                        <a:latin typeface="+mn-ea"/>
+                        <a:ea typeface="+mn-ea"/>
+                      </a:endParaRPr>
+                    </a:p>
+                  </a:txBody>
+                  <a:tcPr>
+                    <a:lnL w="12700" cap="flat" cmpd="sng" algn="ctr">
+                      <a:solidFill>
+                        <a:schemeClr val="tx1"/>
+                      </a:solidFill>
+                      <a:prstDash val="solid"/>
+                      <a:round/>
+                      <a:headEnd type="none" w="med" len="med"/>
+                      <a:tailEnd type="none" w="med" len="med"/>
+                    </a:lnL>
+                    <a:lnR w="12700" cap="flat" cmpd="sng" algn="ctr">
+                      <a:solidFill>
+                        <a:schemeClr val="tx1"/>
+                      </a:solidFill>
+                      <a:prstDash val="solid"/>
+                      <a:round/>
+                      <a:headEnd type="none" w="med" len="med"/>
+                      <a:tailEnd type="none" w="med" len="med"/>
+                    </a:lnR>
+                    <a:lnT w="12700" cap="flat" cmpd="sng" algn="ctr">
+                      <a:solidFill>
+                        <a:schemeClr val="tx1"/>
+                      </a:solidFill>
+                      <a:prstDash val="solid"/>
+                      <a:round/>
+                      <a:headEnd type="none" w="med" len="med"/>
+                      <a:tailEnd type="none" w="med" len="med"/>
+                    </a:lnT>
+                    <a:lnB w="12700" cap="flat" cmpd="sng" algn="ctr">
+                      <a:solidFill>
+                        <a:schemeClr val="tx1"/>
+                      </a:solidFill>
+                      <a:prstDash val="solid"/>
+                      <a:round/>
+                      <a:headEnd type="none" w="med" len="med"/>
+                      <a:tailEnd type="none" w="med" len="med"/>
+                    </a:lnB>
+                    <a:noFill/>
+                  </a:tcPr>
+                </a:tc>
+                <a:tc>
+                  <a:txBody>
+                    <a:bodyPr/>
+                    <a:lstStyle/>
+                    <a:p>
+                      <a:pPr latinLnBrk="1"/>
+                      <a:r>
+                        <a:rPr lang="en-US" altLang="ko-KR" sz="1000" b="1" dirty="0" smtClean="0">
+                          <a:solidFill>
+                            <a:schemeClr val="tx1"/>
+                          </a:solidFill>
+                          <a:latin typeface="+mn-ea"/>
+                          <a:ea typeface="+mn-ea"/>
+                        </a:rPr>
+                        <a:t>{</a:t>
+                      </a:r>
+                      <a:r>
+                        <a:rPr lang="en-US" altLang="ko-KR" sz="1000" b="1" dirty="0" smtClean="0">
+                          <a:solidFill>
+                            <a:schemeClr val="tx1"/>
+                          </a:solidFill>
+                          <a:latin typeface="+mn-ea"/>
+                          <a:ea typeface="+mn-ea"/>
+                        </a:rPr>
+                        <a:t>1,2,3,4,5,6,8,9,</a:t>
+                      </a:r>
+                      <a:r>
+                        <a:rPr lang="en-US" altLang="ko-KR" sz="1000" b="1" dirty="0" smtClean="0">
+                          <a:solidFill>
+                            <a:srgbClr val="FF0000"/>
+                          </a:solidFill>
+                          <a:latin typeface="+mn-ea"/>
+                          <a:ea typeface="+mn-ea"/>
+                        </a:rPr>
+                        <a:t>10</a:t>
+                      </a:r>
+                      <a:r>
+                        <a:rPr lang="en-US" altLang="ko-KR" sz="1000" b="1" dirty="0" smtClean="0">
+                          <a:solidFill>
+                            <a:schemeClr val="tx1"/>
+                          </a:solidFill>
+                          <a:latin typeface="+mn-ea"/>
+                          <a:ea typeface="+mn-ea"/>
+                        </a:rPr>
+                        <a:t>}</a:t>
+                      </a:r>
+                      <a:endParaRPr lang="ko-KR" altLang="en-US" sz="1000" b="1" dirty="0">
+                        <a:solidFill>
+                          <a:schemeClr val="tx1"/>
+                        </a:solidFill>
+                        <a:latin typeface="+mn-ea"/>
+                        <a:ea typeface="+mn-ea"/>
+                      </a:endParaRPr>
+                    </a:p>
+                  </a:txBody>
+                  <a:tcPr>
+                    <a:lnL w="12700" cap="flat" cmpd="sng" algn="ctr">
+                      <a:solidFill>
+                        <a:schemeClr val="tx1"/>
+                      </a:solidFill>
+                      <a:prstDash val="solid"/>
+                      <a:round/>
+                      <a:headEnd type="none" w="med" len="med"/>
+                      <a:tailEnd type="none" w="med" len="med"/>
+                    </a:lnL>
+                    <a:lnR w="12700" cap="flat" cmpd="sng" algn="ctr">
+                      <a:solidFill>
+                        <a:schemeClr val="tx1"/>
+                      </a:solidFill>
+                      <a:prstDash val="solid"/>
+                      <a:round/>
+                      <a:headEnd type="none" w="med" len="med"/>
+                      <a:tailEnd type="none" w="med" len="med"/>
+                    </a:lnR>
+                    <a:lnT w="12700" cap="flat" cmpd="sng" algn="ctr">
+                      <a:solidFill>
+                        <a:schemeClr val="tx1"/>
+                      </a:solidFill>
+                      <a:prstDash val="solid"/>
+                      <a:round/>
+                      <a:headEnd type="none" w="med" len="med"/>
+                      <a:tailEnd type="none" w="med" len="med"/>
+                    </a:lnT>
+                    <a:lnB w="12700" cap="flat" cmpd="sng" algn="ctr">
+                      <a:solidFill>
+                        <a:schemeClr val="tx1"/>
+                      </a:solidFill>
+                      <a:prstDash val="solid"/>
+                      <a:round/>
+                      <a:headEnd type="none" w="med" len="med"/>
+                      <a:tailEnd type="none" w="med" len="med"/>
+                    </a:lnB>
+                    <a:noFill/>
+                  </a:tcPr>
+                </a:tc>
+              </a:tr>
+              <a:tr h="225545">
+                <a:tc>
+                  <a:txBody>
+                    <a:bodyPr/>
+                    <a:lstStyle/>
+                    <a:p>
+                      <a:pPr latinLnBrk="1"/>
+                      <a:r>
+                        <a:rPr lang="en-US" altLang="ko-KR" sz="1000" b="1" dirty="0" smtClean="0">
+                          <a:solidFill>
+                            <a:schemeClr val="tx1"/>
+                          </a:solidFill>
+                          <a:latin typeface="+mn-ea"/>
+                          <a:ea typeface="+mn-ea"/>
+                        </a:rPr>
+                        <a:t>5</a:t>
+                      </a:r>
+                      <a:endParaRPr lang="ko-KR" altLang="en-US" sz="1000" b="1" dirty="0">
+                        <a:solidFill>
+                          <a:schemeClr val="tx1"/>
+                        </a:solidFill>
+                        <a:latin typeface="+mn-ea"/>
+                        <a:ea typeface="+mn-ea"/>
+                      </a:endParaRPr>
+                    </a:p>
+                  </a:txBody>
+                  <a:tcPr>
+                    <a:lnL w="12700" cap="flat" cmpd="sng" algn="ctr">
+                      <a:solidFill>
+                        <a:schemeClr val="tx1"/>
+                      </a:solidFill>
+                      <a:prstDash val="solid"/>
+                      <a:round/>
+                      <a:headEnd type="none" w="med" len="med"/>
+                      <a:tailEnd type="none" w="med" len="med"/>
+                    </a:lnL>
+                    <a:lnR w="12700" cap="flat" cmpd="sng" algn="ctr">
+                      <a:solidFill>
+                        <a:schemeClr val="tx1"/>
+                      </a:solidFill>
+                      <a:prstDash val="solid"/>
+                      <a:round/>
+                      <a:headEnd type="none" w="med" len="med"/>
+                      <a:tailEnd type="none" w="med" len="med"/>
+                    </a:lnR>
+                    <a:lnT w="12700" cap="flat" cmpd="sng" algn="ctr">
+                      <a:solidFill>
+                        <a:schemeClr val="tx1"/>
+                      </a:solidFill>
+                      <a:prstDash val="solid"/>
+                      <a:round/>
+                      <a:headEnd type="none" w="med" len="med"/>
+                      <a:tailEnd type="none" w="med" len="med"/>
+                    </a:lnT>
+                    <a:lnB w="12700" cap="flat" cmpd="sng" algn="ctr">
+                      <a:solidFill>
+                        <a:schemeClr val="tx1"/>
+                      </a:solidFill>
+                      <a:prstDash val="solid"/>
+                      <a:round/>
+                      <a:headEnd type="none" w="med" len="med"/>
+                      <a:tailEnd type="none" w="med" len="med"/>
+                    </a:lnB>
+                    <a:noFill/>
+                  </a:tcPr>
+                </a:tc>
+                <a:tc>
+                  <a:txBody>
+                    <a:bodyPr/>
+                    <a:lstStyle/>
+                    <a:p>
+                      <a:pPr latinLnBrk="1"/>
+                      <a:r>
+                        <a:rPr lang="en-US" altLang="ko-KR" sz="1000" b="1" dirty="0" smtClean="0">
+                          <a:solidFill>
+                            <a:schemeClr val="tx1"/>
+                          </a:solidFill>
+                          <a:latin typeface="+mn-ea"/>
+                          <a:ea typeface="+mn-ea"/>
+                        </a:rPr>
+                        <a:t>3</a:t>
+                      </a:r>
+                      <a:endParaRPr lang="ko-KR" altLang="en-US" sz="1000" b="1" dirty="0">
+                        <a:solidFill>
+                          <a:schemeClr val="tx1"/>
+                        </a:solidFill>
+                        <a:latin typeface="+mn-ea"/>
+                        <a:ea typeface="+mn-ea"/>
+                      </a:endParaRPr>
+                    </a:p>
+                  </a:txBody>
+                  <a:tcPr>
+                    <a:lnL w="12700" cap="flat" cmpd="sng" algn="ctr">
+                      <a:solidFill>
+                        <a:schemeClr val="tx1"/>
+                      </a:solidFill>
+                      <a:prstDash val="solid"/>
+                      <a:round/>
+                      <a:headEnd type="none" w="med" len="med"/>
+                      <a:tailEnd type="none" w="med" len="med"/>
+                    </a:lnL>
+                    <a:lnR w="12700" cap="flat" cmpd="sng" algn="ctr">
+                      <a:solidFill>
+                        <a:schemeClr val="tx1"/>
+                      </a:solidFill>
+                      <a:prstDash val="solid"/>
+                      <a:round/>
+                      <a:headEnd type="none" w="med" len="med"/>
+                      <a:tailEnd type="none" w="med" len="med"/>
+                    </a:lnR>
+                    <a:lnT w="12700" cap="flat" cmpd="sng" algn="ctr">
+                      <a:solidFill>
+                        <a:schemeClr val="tx1"/>
+                      </a:solidFill>
+                      <a:prstDash val="solid"/>
+                      <a:round/>
+                      <a:headEnd type="none" w="med" len="med"/>
+                      <a:tailEnd type="none" w="med" len="med"/>
+                    </a:lnT>
+                    <a:lnB w="12700" cap="flat" cmpd="sng" algn="ctr">
+                      <a:solidFill>
+                        <a:schemeClr val="tx1"/>
+                      </a:solidFill>
+                      <a:prstDash val="solid"/>
+                      <a:round/>
+                      <a:headEnd type="none" w="med" len="med"/>
+                      <a:tailEnd type="none" w="med" len="med"/>
+                    </a:lnB>
+                    <a:noFill/>
+                  </a:tcPr>
+                </a:tc>
+                <a:tc>
+                  <a:txBody>
+                    <a:bodyPr/>
+                    <a:lstStyle/>
+                    <a:p>
+                      <a:pPr latinLnBrk="1"/>
+                      <a:r>
+                        <a:rPr lang="en-US" altLang="ko-KR" sz="1000" b="1" dirty="0" smtClean="0">
+                          <a:solidFill>
+                            <a:schemeClr val="tx1"/>
+                          </a:solidFill>
+                          <a:latin typeface="+mn-ea"/>
+                          <a:ea typeface="+mn-ea"/>
+                        </a:rPr>
+                        <a:t>2</a:t>
+                      </a:r>
+                      <a:endParaRPr lang="ko-KR" altLang="en-US" sz="1000" b="1" dirty="0">
+                        <a:solidFill>
+                          <a:schemeClr val="tx1"/>
+                        </a:solidFill>
+                        <a:latin typeface="+mn-ea"/>
+                        <a:ea typeface="+mn-ea"/>
+                      </a:endParaRPr>
+                    </a:p>
+                  </a:txBody>
+                  <a:tcPr>
+                    <a:lnL w="12700" cap="flat" cmpd="sng" algn="ctr">
+                      <a:solidFill>
+                        <a:schemeClr val="tx1"/>
+                      </a:solidFill>
+                      <a:prstDash val="solid"/>
+                      <a:round/>
+                      <a:headEnd type="none" w="med" len="med"/>
+                      <a:tailEnd type="none" w="med" len="med"/>
+                    </a:lnL>
+                    <a:lnR w="12700" cap="flat" cmpd="sng" algn="ctr">
+                      <a:solidFill>
+                        <a:schemeClr val="tx1"/>
+                      </a:solidFill>
+                      <a:prstDash val="solid"/>
+                      <a:round/>
+                      <a:headEnd type="none" w="med" len="med"/>
+                      <a:tailEnd type="none" w="med" len="med"/>
+                    </a:lnR>
+                    <a:lnT w="12700" cap="flat" cmpd="sng" algn="ctr">
+                      <a:solidFill>
+                        <a:schemeClr val="tx1"/>
+                      </a:solidFill>
+                      <a:prstDash val="solid"/>
+                      <a:round/>
+                      <a:headEnd type="none" w="med" len="med"/>
+                      <a:tailEnd type="none" w="med" len="med"/>
+                    </a:lnT>
+                    <a:lnB w="12700" cap="flat" cmpd="sng" algn="ctr">
+                      <a:solidFill>
+                        <a:schemeClr val="tx1"/>
+                      </a:solidFill>
+                      <a:prstDash val="solid"/>
+                      <a:round/>
+                      <a:headEnd type="none" w="med" len="med"/>
+                      <a:tailEnd type="none" w="med" len="med"/>
+                    </a:lnB>
+                    <a:noFill/>
+                  </a:tcPr>
+                </a:tc>
+                <a:tc>
+                  <a:txBody>
+                    <a:bodyPr/>
+                    <a:lstStyle/>
+                    <a:p>
+                      <a:pPr latinLnBrk="1"/>
+                      <a:r>
+                        <a:rPr lang="en-US" altLang="ko-KR" sz="1000" b="1" dirty="0" smtClean="0">
+                          <a:solidFill>
+                            <a:srgbClr val="FF0000"/>
+                          </a:solidFill>
+                          <a:latin typeface="+mn-ea"/>
+                          <a:ea typeface="+mn-ea"/>
+                        </a:rPr>
+                        <a:t>12</a:t>
+                      </a:r>
+                      <a:endParaRPr lang="ko-KR" altLang="en-US" sz="1000" b="1" dirty="0">
+                        <a:solidFill>
+                          <a:srgbClr val="FF0000"/>
+                        </a:solidFill>
+                        <a:latin typeface="+mn-ea"/>
+                        <a:ea typeface="+mn-ea"/>
+                      </a:endParaRPr>
+                    </a:p>
+                  </a:txBody>
+                  <a:tcPr>
+                    <a:lnL w="12700" cap="flat" cmpd="sng" algn="ctr">
+                      <a:solidFill>
+                        <a:schemeClr val="tx1"/>
+                      </a:solidFill>
+                      <a:prstDash val="solid"/>
+                      <a:round/>
+                      <a:headEnd type="none" w="med" len="med"/>
+                      <a:tailEnd type="none" w="med" len="med"/>
+                    </a:lnL>
+                    <a:lnR w="12700" cap="flat" cmpd="sng" algn="ctr">
+                      <a:solidFill>
+                        <a:schemeClr val="tx1"/>
+                      </a:solidFill>
+                      <a:prstDash val="solid"/>
+                      <a:round/>
+                      <a:headEnd type="none" w="med" len="med"/>
+                      <a:tailEnd type="none" w="med" len="med"/>
+                    </a:lnR>
+                    <a:lnT w="12700" cap="flat" cmpd="sng" algn="ctr">
+                      <a:solidFill>
+                        <a:schemeClr val="tx1"/>
+                      </a:solidFill>
+                      <a:prstDash val="solid"/>
+                      <a:round/>
+                      <a:headEnd type="none" w="med" len="med"/>
+                      <a:tailEnd type="none" w="med" len="med"/>
+                    </a:lnT>
+                    <a:lnB w="12700" cap="flat" cmpd="sng" algn="ctr">
+                      <a:solidFill>
+                        <a:schemeClr val="tx1"/>
+                      </a:solidFill>
+                      <a:prstDash val="solid"/>
+                      <a:round/>
+                      <a:headEnd type="none" w="med" len="med"/>
+                      <a:tailEnd type="none" w="med" len="med"/>
+                    </a:lnB>
+                    <a:noFill/>
+                  </a:tcPr>
+                </a:tc>
+                <a:tc>
+                  <a:txBody>
+                    <a:bodyPr/>
+                    <a:lstStyle/>
+                    <a:p>
+                      <a:pPr latinLnBrk="1"/>
+                      <a:r>
+                        <a:rPr lang="en-US" altLang="ko-KR" sz="1000" b="1" dirty="0" smtClean="0">
+                          <a:solidFill>
+                            <a:srgbClr val="FF0000"/>
+                          </a:solidFill>
+                          <a:latin typeface="+mn-ea"/>
+                          <a:ea typeface="+mn-ea"/>
+                        </a:rPr>
+                        <a:t>12</a:t>
+                      </a:r>
+                      <a:endParaRPr lang="ko-KR" altLang="en-US" sz="1000" b="1" dirty="0">
+                        <a:solidFill>
+                          <a:srgbClr val="FF0000"/>
+                        </a:solidFill>
+                        <a:latin typeface="+mn-ea"/>
+                        <a:ea typeface="+mn-ea"/>
+                      </a:endParaRPr>
+                    </a:p>
+                  </a:txBody>
+                  <a:tcPr>
+                    <a:lnL w="12700" cap="flat" cmpd="sng" algn="ctr">
+                      <a:solidFill>
+                        <a:schemeClr val="tx1"/>
+                      </a:solidFill>
+                      <a:prstDash val="solid"/>
+                      <a:round/>
+                      <a:headEnd type="none" w="med" len="med"/>
+                      <a:tailEnd type="none" w="med" len="med"/>
+                    </a:lnL>
+                    <a:lnR w="12700" cap="flat" cmpd="sng" algn="ctr">
+                      <a:solidFill>
+                        <a:schemeClr val="tx1"/>
+                      </a:solidFill>
+                      <a:prstDash val="solid"/>
+                      <a:round/>
+                      <a:headEnd type="none" w="med" len="med"/>
+                      <a:tailEnd type="none" w="med" len="med"/>
+                    </a:lnR>
+                    <a:lnT w="12700" cap="flat" cmpd="sng" algn="ctr">
+                      <a:solidFill>
+                        <a:schemeClr val="tx1"/>
+                      </a:solidFill>
+                      <a:prstDash val="solid"/>
+                      <a:round/>
+                      <a:headEnd type="none" w="med" len="med"/>
+                      <a:tailEnd type="none" w="med" len="med"/>
+                    </a:lnT>
+                    <a:lnB w="12700" cap="flat" cmpd="sng" algn="ctr">
+                      <a:solidFill>
+                        <a:schemeClr val="tx1"/>
+                      </a:solidFill>
+                      <a:prstDash val="solid"/>
+                      <a:round/>
+                      <a:headEnd type="none" w="med" len="med"/>
+                      <a:tailEnd type="none" w="med" len="med"/>
+                    </a:lnB>
+                    <a:noFill/>
+                  </a:tcPr>
+                </a:tc>
+                <a:tc>
+                  <a:txBody>
+                    <a:bodyPr/>
+                    <a:lstStyle/>
+                    <a:p>
+                      <a:pPr latinLnBrk="1"/>
+                      <a:r>
+                        <a:rPr lang="en-US" altLang="ko-KR" sz="1000" b="1" dirty="0" smtClean="0">
+                          <a:solidFill>
+                            <a:schemeClr val="tx1"/>
+                          </a:solidFill>
+                          <a:latin typeface="+mn-ea"/>
+                          <a:ea typeface="+mn-ea"/>
+                        </a:rPr>
+                        <a:t>15</a:t>
+                      </a:r>
+                      <a:endParaRPr lang="ko-KR" altLang="en-US" sz="1000" b="1" dirty="0">
+                        <a:solidFill>
+                          <a:schemeClr val="tx1"/>
+                        </a:solidFill>
+                        <a:latin typeface="+mn-ea"/>
+                        <a:ea typeface="+mn-ea"/>
+                      </a:endParaRPr>
+                    </a:p>
+                  </a:txBody>
+                  <a:tcPr>
+                    <a:lnL w="12700" cap="flat" cmpd="sng" algn="ctr">
+                      <a:solidFill>
+                        <a:schemeClr val="tx1"/>
+                      </a:solidFill>
+                      <a:prstDash val="solid"/>
+                      <a:round/>
+                      <a:headEnd type="none" w="med" len="med"/>
+                      <a:tailEnd type="none" w="med" len="med"/>
+                    </a:lnL>
+                    <a:lnR w="12700" cap="flat" cmpd="sng" algn="ctr">
+                      <a:solidFill>
+                        <a:schemeClr val="tx1"/>
+                      </a:solidFill>
+                      <a:prstDash val="solid"/>
+                      <a:round/>
+                      <a:headEnd type="none" w="med" len="med"/>
+                      <a:tailEnd type="none" w="med" len="med"/>
+                    </a:lnR>
+                    <a:lnT w="12700" cap="flat" cmpd="sng" algn="ctr">
+                      <a:solidFill>
+                        <a:schemeClr val="tx1"/>
+                      </a:solidFill>
+                      <a:prstDash val="solid"/>
+                      <a:round/>
+                      <a:headEnd type="none" w="med" len="med"/>
+                      <a:tailEnd type="none" w="med" len="med"/>
+                    </a:lnT>
+                    <a:lnB w="12700" cap="flat" cmpd="sng" algn="ctr">
+                      <a:solidFill>
+                        <a:schemeClr val="tx1"/>
+                      </a:solidFill>
+                      <a:prstDash val="solid"/>
+                      <a:round/>
+                      <a:headEnd type="none" w="med" len="med"/>
+                      <a:tailEnd type="none" w="med" len="med"/>
+                    </a:lnB>
+                    <a:noFill/>
+                  </a:tcPr>
+                </a:tc>
+                <a:tc>
+                  <a:txBody>
+                    <a:bodyPr/>
+                    <a:lstStyle/>
+                    <a:p>
+                      <a:pPr latinLnBrk="1"/>
+                      <a:r>
+                        <a:rPr lang="en-US" altLang="ko-KR" sz="1000" b="1" dirty="0" smtClean="0">
+                          <a:solidFill>
+                            <a:schemeClr val="tx1"/>
+                          </a:solidFill>
+                          <a:latin typeface="+mn-ea"/>
+                          <a:ea typeface="+mn-ea"/>
+                        </a:rPr>
+                        <a:t>{</a:t>
+                      </a:r>
+                      <a:r>
+                        <a:rPr lang="en-US" altLang="ko-KR" sz="1000" b="1" dirty="0" smtClean="0">
+                          <a:solidFill>
+                            <a:schemeClr val="tx1"/>
+                          </a:solidFill>
+                          <a:latin typeface="+mn-ea"/>
+                          <a:ea typeface="+mn-ea"/>
+                        </a:rPr>
+                        <a:t>1,2,3,4,5,6,8,9,10,</a:t>
+                      </a:r>
+                      <a:r>
+                        <a:rPr lang="en-US" altLang="ko-KR" sz="1000" b="1" dirty="0" smtClean="0">
+                          <a:solidFill>
+                            <a:srgbClr val="FF0000"/>
+                          </a:solidFill>
+                          <a:latin typeface="+mn-ea"/>
+                          <a:ea typeface="+mn-ea"/>
+                        </a:rPr>
+                        <a:t>12</a:t>
+                      </a:r>
+                      <a:r>
+                        <a:rPr lang="en-US" altLang="ko-KR" sz="1000" b="1" dirty="0" smtClean="0">
+                          <a:solidFill>
+                            <a:schemeClr val="tx1"/>
+                          </a:solidFill>
+                          <a:latin typeface="+mn-ea"/>
+                          <a:ea typeface="+mn-ea"/>
+                        </a:rPr>
+                        <a:t>}</a:t>
+                      </a:r>
+                      <a:endParaRPr lang="ko-KR" altLang="en-US" sz="1000" b="1" dirty="0">
+                        <a:solidFill>
+                          <a:schemeClr val="tx1"/>
+                        </a:solidFill>
+                        <a:latin typeface="+mn-ea"/>
+                        <a:ea typeface="+mn-ea"/>
+                      </a:endParaRPr>
+                    </a:p>
+                  </a:txBody>
+                  <a:tcPr>
+                    <a:lnL w="12700" cap="flat" cmpd="sng" algn="ctr">
+                      <a:solidFill>
+                        <a:schemeClr val="tx1"/>
+                      </a:solidFill>
+                      <a:prstDash val="solid"/>
+                      <a:round/>
+                      <a:headEnd type="none" w="med" len="med"/>
+                      <a:tailEnd type="none" w="med" len="med"/>
+                    </a:lnL>
+                    <a:lnR w="12700" cap="flat" cmpd="sng" algn="ctr">
+                      <a:solidFill>
+                        <a:schemeClr val="tx1"/>
+                      </a:solidFill>
+                      <a:prstDash val="solid"/>
+                      <a:round/>
+                      <a:headEnd type="none" w="med" len="med"/>
+                      <a:tailEnd type="none" w="med" len="med"/>
+                    </a:lnR>
+                    <a:lnT w="12700" cap="flat" cmpd="sng" algn="ctr">
+                      <a:solidFill>
+                        <a:schemeClr val="tx1"/>
+                      </a:solidFill>
+                      <a:prstDash val="solid"/>
+                      <a:round/>
+                      <a:headEnd type="none" w="med" len="med"/>
+                      <a:tailEnd type="none" w="med" len="med"/>
+                    </a:lnT>
+                    <a:lnB w="12700" cap="flat" cmpd="sng" algn="ctr">
+                      <a:solidFill>
+                        <a:schemeClr val="tx1"/>
+                      </a:solidFill>
+                      <a:prstDash val="solid"/>
+                      <a:round/>
+                      <a:headEnd type="none" w="med" len="med"/>
+                      <a:tailEnd type="none" w="med" len="med"/>
+                    </a:lnB>
+                    <a:noFill/>
+                  </a:tcPr>
+                </a:tc>
+              </a:tr>
+            </a:tbl>
+          </a:graphicData>
+        </a:graphic>
+      </p:graphicFrame>
+    </p:spTree>
+    <p:extLst>
+      <p:ext uri="{BB962C8B-B14F-4D97-AF65-F5344CB8AC3E}">
+        <p14:creationId xmlns:p14="http://schemas.microsoft.com/office/powerpoint/2010/main" val="1574208244"/>
+      </p:ext>
+    </p:extLst>
+  </p:cSld>
+  <p:clrMapOvr>
+    <a:masterClrMapping/>
+  </p:clrMapOvr>
+</p:sld>
+</file>
+
 <file path=ppt/theme/theme1.xml><?xml version="1.0" encoding="utf-8"?>
 <a:theme xmlns:a="http://schemas.openxmlformats.org/drawingml/2006/main" name="Office 테마">
   <a:themeElements>
